--- a/cas_textanalytics_project_2/NLP_for_Smart_Dining_Project.pptx
+++ b/cas_textanalytics_project_2/NLP_for_Smart_Dining_Project.pptx
@@ -1,18 +1,25 @@
 
 <file path=ppt/presentation.xml><?xml version="1.0" encoding="utf-8"?>
-<p:presentation xmlns:a="http://schemas.openxmlformats.org/drawingml/2006/main" xmlns:r="http://schemas.openxmlformats.org/officeDocument/2006/relationships" xmlns:p="http://schemas.openxmlformats.org/presentationml/2006/main" autoCompressPictures="0">
+<p:presentation xmlns:a="http://schemas.openxmlformats.org/drawingml/2006/main" xmlns:r="http://schemas.openxmlformats.org/officeDocument/2006/relationships" xmlns:p="http://schemas.openxmlformats.org/presentationml/2006/main" showSpecialPlsOnTitleSld="0" autoCompressPictures="0">
   <p:sldMasterIdLst>
     <p:sldMasterId id="2147483648" r:id="rId1"/>
   </p:sldMasterIdLst>
+  <p:notesMasterIdLst>
+    <p:notesMasterId r:id="rId11"/>
+  </p:notesMasterIdLst>
+  <p:handoutMasterIdLst>
+    <p:handoutMasterId r:id="rId12"/>
+  </p:handoutMasterIdLst>
   <p:sldIdLst>
     <p:sldId id="256" r:id="rId2"/>
     <p:sldId id="257" r:id="rId3"/>
     <p:sldId id="259" r:id="rId4"/>
     <p:sldId id="266" r:id="rId5"/>
     <p:sldId id="267" r:id="rId6"/>
-    <p:sldId id="268" r:id="rId7"/>
-    <p:sldId id="269" r:id="rId8"/>
-    <p:sldId id="270" r:id="rId9"/>
+    <p:sldId id="271" r:id="rId7"/>
+    <p:sldId id="268" r:id="rId8"/>
+    <p:sldId id="269" r:id="rId9"/>
+    <p:sldId id="270" r:id="rId10"/>
   </p:sldIdLst>
   <p:sldSz cx="12192000" cy="6858000"/>
   <p:notesSz cx="6858000" cy="9144000"/>
@@ -119,6 +126,827 @@
 </p:presentation>
 </file>
 
+<file path=ppt/handoutMasters/handoutMaster1.xml><?xml version="1.0" encoding="utf-8"?>
+<p:handoutMaster xmlns:a="http://schemas.openxmlformats.org/drawingml/2006/main" xmlns:r="http://schemas.openxmlformats.org/officeDocument/2006/relationships" xmlns:p="http://schemas.openxmlformats.org/presentationml/2006/main">
+  <p:cSld>
+    <p:bg>
+      <p:bgRef idx="1001">
+        <a:schemeClr val="bg1"/>
+      </p:bgRef>
+    </p:bg>
+    <p:spTree>
+      <p:nvGrpSpPr>
+        <p:cNvPr id="1" name=""/>
+        <p:cNvGrpSpPr/>
+        <p:nvPr/>
+      </p:nvGrpSpPr>
+      <p:grpSpPr>
+        <a:xfrm>
+          <a:off x="0" y="0"/>
+          <a:ext cx="0" cy="0"/>
+          <a:chOff x="0" y="0"/>
+          <a:chExt cx="0" cy="0"/>
+        </a:xfrm>
+      </p:grpSpPr>
+      <p:sp>
+        <p:nvSpPr>
+          <p:cNvPr id="2" name="Header Placeholder 1">
+            <a:extLst>
+              <a:ext uri="{FF2B5EF4-FFF2-40B4-BE49-F238E27FC236}">
+                <a16:creationId xmlns:a16="http://schemas.microsoft.com/office/drawing/2014/main" id="{D764E156-202A-6920-4BA5-130E5FA8F5B4}"/>
+              </a:ext>
+            </a:extLst>
+          </p:cNvPr>
+          <p:cNvSpPr>
+            <a:spLocks noGrp="1"/>
+          </p:cNvSpPr>
+          <p:nvPr>
+            <p:ph type="hdr" sz="quarter"/>
+          </p:nvPr>
+        </p:nvSpPr>
+        <p:spPr>
+          <a:xfrm>
+            <a:off x="0" y="0"/>
+            <a:ext cx="2971800" cy="458788"/>
+          </a:xfrm>
+          <a:prstGeom prst="rect">
+            <a:avLst/>
+          </a:prstGeom>
+        </p:spPr>
+        <p:txBody>
+          <a:bodyPr vert="horz" lIns="91440" tIns="45720" rIns="91440" bIns="45720" rtlCol="0"/>
+          <a:lstStyle>
+            <a:lvl1pPr algn="l">
+              <a:defRPr sz="1200"/>
+            </a:lvl1pPr>
+          </a:lstStyle>
+          <a:p>
+            <a:endParaRPr lang="en-CH"/>
+          </a:p>
+        </p:txBody>
+      </p:sp>
+      <p:sp>
+        <p:nvSpPr>
+          <p:cNvPr id="3" name="Date Placeholder 2">
+            <a:extLst>
+              <a:ext uri="{FF2B5EF4-FFF2-40B4-BE49-F238E27FC236}">
+                <a16:creationId xmlns:a16="http://schemas.microsoft.com/office/drawing/2014/main" id="{EFCED516-4027-C55B-37D7-F2B6BBDB67FF}"/>
+              </a:ext>
+            </a:extLst>
+          </p:cNvPr>
+          <p:cNvSpPr>
+            <a:spLocks noGrp="1"/>
+          </p:cNvSpPr>
+          <p:nvPr>
+            <p:ph type="dt" sz="quarter" idx="1"/>
+          </p:nvPr>
+        </p:nvSpPr>
+        <p:spPr>
+          <a:xfrm>
+            <a:off x="3884613" y="0"/>
+            <a:ext cx="2971800" cy="458788"/>
+          </a:xfrm>
+          <a:prstGeom prst="rect">
+            <a:avLst/>
+          </a:prstGeom>
+        </p:spPr>
+        <p:txBody>
+          <a:bodyPr vert="horz" lIns="91440" tIns="45720" rIns="91440" bIns="45720" rtlCol="0"/>
+          <a:lstStyle>
+            <a:lvl1pPr algn="r">
+              <a:defRPr sz="1200"/>
+            </a:lvl1pPr>
+          </a:lstStyle>
+          <a:p>
+            <a:fld id="{2DAA9117-76C4-4D25-A5DC-B8E57B50BC73}" type="datetimeFigureOut">
+              <a:rPr lang="en-CH" smtClean="0"/>
+              <a:t>07/01/2025</a:t>
+            </a:fld>
+            <a:endParaRPr lang="en-CH"/>
+          </a:p>
+        </p:txBody>
+      </p:sp>
+      <p:sp>
+        <p:nvSpPr>
+          <p:cNvPr id="4" name="Footer Placeholder 3">
+            <a:extLst>
+              <a:ext uri="{FF2B5EF4-FFF2-40B4-BE49-F238E27FC236}">
+                <a16:creationId xmlns:a16="http://schemas.microsoft.com/office/drawing/2014/main" id="{275C5D71-AB5E-B822-AC92-5E9B99A2B2F7}"/>
+              </a:ext>
+            </a:extLst>
+          </p:cNvPr>
+          <p:cNvSpPr>
+            <a:spLocks noGrp="1"/>
+          </p:cNvSpPr>
+          <p:nvPr>
+            <p:ph type="ftr" sz="quarter" idx="2"/>
+          </p:nvPr>
+        </p:nvSpPr>
+        <p:spPr>
+          <a:xfrm>
+            <a:off x="0" y="8685213"/>
+            <a:ext cx="2971800" cy="458787"/>
+          </a:xfrm>
+          <a:prstGeom prst="rect">
+            <a:avLst/>
+          </a:prstGeom>
+        </p:spPr>
+        <p:txBody>
+          <a:bodyPr vert="horz" lIns="91440" tIns="45720" rIns="91440" bIns="45720" rtlCol="0" anchor="b"/>
+          <a:lstStyle>
+            <a:lvl1pPr algn="l">
+              <a:defRPr sz="1200"/>
+            </a:lvl1pPr>
+          </a:lstStyle>
+          <a:p>
+            <a:r>
+              <a:rPr lang="en-GB"/>
+              <a:t>pre-processing used DASK as the source has iver 500K reviews</a:t>
+            </a:r>
+            <a:endParaRPr lang="en-CH"/>
+          </a:p>
+        </p:txBody>
+      </p:sp>
+      <p:sp>
+        <p:nvSpPr>
+          <p:cNvPr id="5" name="Slide Number Placeholder 4">
+            <a:extLst>
+              <a:ext uri="{FF2B5EF4-FFF2-40B4-BE49-F238E27FC236}">
+                <a16:creationId xmlns:a16="http://schemas.microsoft.com/office/drawing/2014/main" id="{8AE868C2-F0F3-4BA1-3DD0-FC2CEF8DDAE8}"/>
+              </a:ext>
+            </a:extLst>
+          </p:cNvPr>
+          <p:cNvSpPr>
+            <a:spLocks noGrp="1"/>
+          </p:cNvSpPr>
+          <p:nvPr>
+            <p:ph type="sldNum" sz="quarter" idx="3"/>
+          </p:nvPr>
+        </p:nvSpPr>
+        <p:spPr>
+          <a:xfrm>
+            <a:off x="3884613" y="8685213"/>
+            <a:ext cx="2971800" cy="458787"/>
+          </a:xfrm>
+          <a:prstGeom prst="rect">
+            <a:avLst/>
+          </a:prstGeom>
+        </p:spPr>
+        <p:txBody>
+          <a:bodyPr vert="horz" lIns="91440" tIns="45720" rIns="91440" bIns="45720" rtlCol="0" anchor="b"/>
+          <a:lstStyle>
+            <a:lvl1pPr algn="r">
+              <a:defRPr sz="1200"/>
+            </a:lvl1pPr>
+          </a:lstStyle>
+          <a:p>
+            <a:fld id="{7FC1812D-3EF1-453B-A4A3-B2BD1C54A2B8}" type="slidenum">
+              <a:rPr lang="en-CH" smtClean="0"/>
+              <a:t>‹#›</a:t>
+            </a:fld>
+            <a:endParaRPr lang="en-CH"/>
+          </a:p>
+        </p:txBody>
+      </p:sp>
+    </p:spTree>
+    <p:extLst>
+      <p:ext uri="{BB962C8B-B14F-4D97-AF65-F5344CB8AC3E}">
+        <p14:creationId xmlns:p14="http://schemas.microsoft.com/office/powerpoint/2010/main" val="2090939055"/>
+      </p:ext>
+    </p:extLst>
+  </p:cSld>
+  <p:clrMap bg1="lt1" tx1="dk1" bg2="lt2" tx2="dk2" accent1="accent1" accent2="accent2" accent3="accent3" accent4="accent4" accent5="accent5" accent6="accent6" hlink="hlink" folHlink="folHlink"/>
+  <p:hf hdr="0" dt="0"/>
+</p:handoutMaster>
+</file>
+
+<file path=ppt/notesMasters/notesMaster1.xml><?xml version="1.0" encoding="utf-8"?>
+<p:notesMaster xmlns:a="http://schemas.openxmlformats.org/drawingml/2006/main" xmlns:r="http://schemas.openxmlformats.org/officeDocument/2006/relationships" xmlns:p="http://schemas.openxmlformats.org/presentationml/2006/main">
+  <p:cSld>
+    <p:bg>
+      <p:bgRef idx="1001">
+        <a:schemeClr val="bg1"/>
+      </p:bgRef>
+    </p:bg>
+    <p:spTree>
+      <p:nvGrpSpPr>
+        <p:cNvPr id="1" name=""/>
+        <p:cNvGrpSpPr/>
+        <p:nvPr/>
+      </p:nvGrpSpPr>
+      <p:grpSpPr>
+        <a:xfrm>
+          <a:off x="0" y="0"/>
+          <a:ext cx="0" cy="0"/>
+          <a:chOff x="0" y="0"/>
+          <a:chExt cx="0" cy="0"/>
+        </a:xfrm>
+      </p:grpSpPr>
+      <p:sp>
+        <p:nvSpPr>
+          <p:cNvPr id="2" name="Header Placeholder 1"/>
+          <p:cNvSpPr>
+            <a:spLocks noGrp="1"/>
+          </p:cNvSpPr>
+          <p:nvPr>
+            <p:ph type="hdr" sz="quarter"/>
+          </p:nvPr>
+        </p:nvSpPr>
+        <p:spPr>
+          <a:xfrm>
+            <a:off x="0" y="0"/>
+            <a:ext cx="2971800" cy="458788"/>
+          </a:xfrm>
+          <a:prstGeom prst="rect">
+            <a:avLst/>
+          </a:prstGeom>
+        </p:spPr>
+        <p:txBody>
+          <a:bodyPr vert="horz" lIns="91440" tIns="45720" rIns="91440" bIns="45720" rtlCol="0"/>
+          <a:lstStyle>
+            <a:lvl1pPr algn="l">
+              <a:defRPr sz="1200"/>
+            </a:lvl1pPr>
+          </a:lstStyle>
+          <a:p>
+            <a:endParaRPr lang="en-CH"/>
+          </a:p>
+        </p:txBody>
+      </p:sp>
+      <p:sp>
+        <p:nvSpPr>
+          <p:cNvPr id="3" name="Date Placeholder 2"/>
+          <p:cNvSpPr>
+            <a:spLocks noGrp="1"/>
+          </p:cNvSpPr>
+          <p:nvPr>
+            <p:ph type="dt" idx="1"/>
+          </p:nvPr>
+        </p:nvSpPr>
+        <p:spPr>
+          <a:xfrm>
+            <a:off x="3884613" y="0"/>
+            <a:ext cx="2971800" cy="458788"/>
+          </a:xfrm>
+          <a:prstGeom prst="rect">
+            <a:avLst/>
+          </a:prstGeom>
+        </p:spPr>
+        <p:txBody>
+          <a:bodyPr vert="horz" lIns="91440" tIns="45720" rIns="91440" bIns="45720" rtlCol="0"/>
+          <a:lstStyle>
+            <a:lvl1pPr algn="r">
+              <a:defRPr sz="1200"/>
+            </a:lvl1pPr>
+          </a:lstStyle>
+          <a:p>
+            <a:fld id="{884B94D9-9D84-4EF0-9A75-8A9124351D2C}" type="datetimeFigureOut">
+              <a:rPr lang="en-CH" smtClean="0"/>
+              <a:t>07/01/2025</a:t>
+            </a:fld>
+            <a:endParaRPr lang="en-CH"/>
+          </a:p>
+        </p:txBody>
+      </p:sp>
+      <p:sp>
+        <p:nvSpPr>
+          <p:cNvPr id="4" name="Slide Image Placeholder 3"/>
+          <p:cNvSpPr>
+            <a:spLocks noGrp="1" noRot="1" noChangeAspect="1"/>
+          </p:cNvSpPr>
+          <p:nvPr>
+            <p:ph type="sldImg" idx="2"/>
+          </p:nvPr>
+        </p:nvSpPr>
+        <p:spPr>
+          <a:xfrm>
+            <a:off x="685800" y="1143000"/>
+            <a:ext cx="5486400" cy="3086100"/>
+          </a:xfrm>
+          <a:prstGeom prst="rect">
+            <a:avLst/>
+          </a:prstGeom>
+          <a:noFill/>
+          <a:ln w="12700">
+            <a:solidFill>
+              <a:prstClr val="black"/>
+            </a:solidFill>
+          </a:ln>
+        </p:spPr>
+        <p:txBody>
+          <a:bodyPr vert="horz" lIns="91440" tIns="45720" rIns="91440" bIns="45720" rtlCol="0" anchor="ctr"/>
+          <a:lstStyle/>
+          <a:p>
+            <a:endParaRPr lang="en-CH"/>
+          </a:p>
+        </p:txBody>
+      </p:sp>
+      <p:sp>
+        <p:nvSpPr>
+          <p:cNvPr id="5" name="Notes Placeholder 4"/>
+          <p:cNvSpPr>
+            <a:spLocks noGrp="1"/>
+          </p:cNvSpPr>
+          <p:nvPr>
+            <p:ph type="body" sz="quarter" idx="3"/>
+          </p:nvPr>
+        </p:nvSpPr>
+        <p:spPr>
+          <a:xfrm>
+            <a:off x="685800" y="4400550"/>
+            <a:ext cx="5486400" cy="3600450"/>
+          </a:xfrm>
+          <a:prstGeom prst="rect">
+            <a:avLst/>
+          </a:prstGeom>
+        </p:spPr>
+        <p:txBody>
+          <a:bodyPr vert="horz" lIns="91440" tIns="45720" rIns="91440" bIns="45720" rtlCol="0"/>
+          <a:lstStyle/>
+          <a:p>
+            <a:pPr lvl="0"/>
+            <a:r>
+              <a:rPr lang="en-GB"/>
+              <a:t>Click to edit Master text styles</a:t>
+            </a:r>
+          </a:p>
+          <a:p>
+            <a:pPr lvl="1"/>
+            <a:r>
+              <a:rPr lang="en-GB"/>
+              <a:t>Second level</a:t>
+            </a:r>
+          </a:p>
+          <a:p>
+            <a:pPr lvl="2"/>
+            <a:r>
+              <a:rPr lang="en-GB"/>
+              <a:t>Third level</a:t>
+            </a:r>
+          </a:p>
+          <a:p>
+            <a:pPr lvl="3"/>
+            <a:r>
+              <a:rPr lang="en-GB"/>
+              <a:t>Fourth level</a:t>
+            </a:r>
+          </a:p>
+          <a:p>
+            <a:pPr lvl="4"/>
+            <a:r>
+              <a:rPr lang="en-GB"/>
+              <a:t>Fifth level</a:t>
+            </a:r>
+            <a:endParaRPr lang="en-CH"/>
+          </a:p>
+        </p:txBody>
+      </p:sp>
+      <p:sp>
+        <p:nvSpPr>
+          <p:cNvPr id="6" name="Footer Placeholder 5"/>
+          <p:cNvSpPr>
+            <a:spLocks noGrp="1"/>
+          </p:cNvSpPr>
+          <p:nvPr>
+            <p:ph type="ftr" sz="quarter" idx="4"/>
+          </p:nvPr>
+        </p:nvSpPr>
+        <p:spPr>
+          <a:xfrm>
+            <a:off x="0" y="8685213"/>
+            <a:ext cx="2971800" cy="458787"/>
+          </a:xfrm>
+          <a:prstGeom prst="rect">
+            <a:avLst/>
+          </a:prstGeom>
+        </p:spPr>
+        <p:txBody>
+          <a:bodyPr vert="horz" lIns="91440" tIns="45720" rIns="91440" bIns="45720" rtlCol="0" anchor="b"/>
+          <a:lstStyle>
+            <a:lvl1pPr algn="l">
+              <a:defRPr sz="1200"/>
+            </a:lvl1pPr>
+          </a:lstStyle>
+          <a:p>
+            <a:r>
+              <a:rPr lang="en-GB"/>
+              <a:t>pre-processing used DASK as the source has iver 500K reviews</a:t>
+            </a:r>
+            <a:endParaRPr lang="en-CH"/>
+          </a:p>
+        </p:txBody>
+      </p:sp>
+      <p:sp>
+        <p:nvSpPr>
+          <p:cNvPr id="7" name="Slide Number Placeholder 6"/>
+          <p:cNvSpPr>
+            <a:spLocks noGrp="1"/>
+          </p:cNvSpPr>
+          <p:nvPr>
+            <p:ph type="sldNum" sz="quarter" idx="5"/>
+          </p:nvPr>
+        </p:nvSpPr>
+        <p:spPr>
+          <a:xfrm>
+            <a:off x="3884613" y="8685213"/>
+            <a:ext cx="2971800" cy="458787"/>
+          </a:xfrm>
+          <a:prstGeom prst="rect">
+            <a:avLst/>
+          </a:prstGeom>
+        </p:spPr>
+        <p:txBody>
+          <a:bodyPr vert="horz" lIns="91440" tIns="45720" rIns="91440" bIns="45720" rtlCol="0" anchor="b"/>
+          <a:lstStyle>
+            <a:lvl1pPr algn="r">
+              <a:defRPr sz="1200"/>
+            </a:lvl1pPr>
+          </a:lstStyle>
+          <a:p>
+            <a:fld id="{6609AABF-0161-4680-88B7-170F5428BE12}" type="slidenum">
+              <a:rPr lang="en-CH" smtClean="0"/>
+              <a:t>‹#›</a:t>
+            </a:fld>
+            <a:endParaRPr lang="en-CH"/>
+          </a:p>
+        </p:txBody>
+      </p:sp>
+    </p:spTree>
+    <p:extLst>
+      <p:ext uri="{BB962C8B-B14F-4D97-AF65-F5344CB8AC3E}">
+        <p14:creationId xmlns:p14="http://schemas.microsoft.com/office/powerpoint/2010/main" val="4038805426"/>
+      </p:ext>
+    </p:extLst>
+  </p:cSld>
+  <p:clrMap bg1="lt1" tx1="dk1" bg2="lt2" tx2="dk2" accent1="accent1" accent2="accent2" accent3="accent3" accent4="accent4" accent5="accent5" accent6="accent6" hlink="hlink" folHlink="folHlink"/>
+  <p:hf hdr="0" dt="0"/>
+  <p:notesStyle>
+    <a:lvl1pPr marL="0" algn="l" defTabSz="914400" rtl="0" eaLnBrk="1" latinLnBrk="0" hangingPunct="1">
+      <a:defRPr sz="1200" kern="1200">
+        <a:solidFill>
+          <a:schemeClr val="tx1"/>
+        </a:solidFill>
+        <a:latin typeface="+mn-lt"/>
+        <a:ea typeface="+mn-ea"/>
+        <a:cs typeface="+mn-cs"/>
+      </a:defRPr>
+    </a:lvl1pPr>
+    <a:lvl2pPr marL="457200" algn="l" defTabSz="914400" rtl="0" eaLnBrk="1" latinLnBrk="0" hangingPunct="1">
+      <a:defRPr sz="1200" kern="1200">
+        <a:solidFill>
+          <a:schemeClr val="tx1"/>
+        </a:solidFill>
+        <a:latin typeface="+mn-lt"/>
+        <a:ea typeface="+mn-ea"/>
+        <a:cs typeface="+mn-cs"/>
+      </a:defRPr>
+    </a:lvl2pPr>
+    <a:lvl3pPr marL="914400" algn="l" defTabSz="914400" rtl="0" eaLnBrk="1" latinLnBrk="0" hangingPunct="1">
+      <a:defRPr sz="1200" kern="1200">
+        <a:solidFill>
+          <a:schemeClr val="tx1"/>
+        </a:solidFill>
+        <a:latin typeface="+mn-lt"/>
+        <a:ea typeface="+mn-ea"/>
+        <a:cs typeface="+mn-cs"/>
+      </a:defRPr>
+    </a:lvl3pPr>
+    <a:lvl4pPr marL="1371600" algn="l" defTabSz="914400" rtl="0" eaLnBrk="1" latinLnBrk="0" hangingPunct="1">
+      <a:defRPr sz="1200" kern="1200">
+        <a:solidFill>
+          <a:schemeClr val="tx1"/>
+        </a:solidFill>
+        <a:latin typeface="+mn-lt"/>
+        <a:ea typeface="+mn-ea"/>
+        <a:cs typeface="+mn-cs"/>
+      </a:defRPr>
+    </a:lvl4pPr>
+    <a:lvl5pPr marL="1828800" algn="l" defTabSz="914400" rtl="0" eaLnBrk="1" latinLnBrk="0" hangingPunct="1">
+      <a:defRPr sz="1200" kern="1200">
+        <a:solidFill>
+          <a:schemeClr val="tx1"/>
+        </a:solidFill>
+        <a:latin typeface="+mn-lt"/>
+        <a:ea typeface="+mn-ea"/>
+        <a:cs typeface="+mn-cs"/>
+      </a:defRPr>
+    </a:lvl5pPr>
+    <a:lvl6pPr marL="2286000" algn="l" defTabSz="914400" rtl="0" eaLnBrk="1" latinLnBrk="0" hangingPunct="1">
+      <a:defRPr sz="1200" kern="1200">
+        <a:solidFill>
+          <a:schemeClr val="tx1"/>
+        </a:solidFill>
+        <a:latin typeface="+mn-lt"/>
+        <a:ea typeface="+mn-ea"/>
+        <a:cs typeface="+mn-cs"/>
+      </a:defRPr>
+    </a:lvl6pPr>
+    <a:lvl7pPr marL="2743200" algn="l" defTabSz="914400" rtl="0" eaLnBrk="1" latinLnBrk="0" hangingPunct="1">
+      <a:defRPr sz="1200" kern="1200">
+        <a:solidFill>
+          <a:schemeClr val="tx1"/>
+        </a:solidFill>
+        <a:latin typeface="+mn-lt"/>
+        <a:ea typeface="+mn-ea"/>
+        <a:cs typeface="+mn-cs"/>
+      </a:defRPr>
+    </a:lvl7pPr>
+    <a:lvl8pPr marL="3200400" algn="l" defTabSz="914400" rtl="0" eaLnBrk="1" latinLnBrk="0" hangingPunct="1">
+      <a:defRPr sz="1200" kern="1200">
+        <a:solidFill>
+          <a:schemeClr val="tx1"/>
+        </a:solidFill>
+        <a:latin typeface="+mn-lt"/>
+        <a:ea typeface="+mn-ea"/>
+        <a:cs typeface="+mn-cs"/>
+      </a:defRPr>
+    </a:lvl8pPr>
+    <a:lvl9pPr marL="3657600" algn="l" defTabSz="914400" rtl="0" eaLnBrk="1" latinLnBrk="0" hangingPunct="1">
+      <a:defRPr sz="1200" kern="1200">
+        <a:solidFill>
+          <a:schemeClr val="tx1"/>
+        </a:solidFill>
+        <a:latin typeface="+mn-lt"/>
+        <a:ea typeface="+mn-ea"/>
+        <a:cs typeface="+mn-cs"/>
+      </a:defRPr>
+    </a:lvl9pPr>
+  </p:notesStyle>
+</p:notesMaster>
+</file>
+
+<file path=ppt/notesSlides/notesSlide1.xml><?xml version="1.0" encoding="utf-8"?>
+<p:notes xmlns:a="http://schemas.openxmlformats.org/drawingml/2006/main" xmlns:r="http://schemas.openxmlformats.org/officeDocument/2006/relationships" xmlns:p="http://schemas.openxmlformats.org/presentationml/2006/main">
+  <p:cSld>
+    <p:spTree>
+      <p:nvGrpSpPr>
+        <p:cNvPr id="1" name=""/>
+        <p:cNvGrpSpPr/>
+        <p:nvPr/>
+      </p:nvGrpSpPr>
+      <p:grpSpPr>
+        <a:xfrm>
+          <a:off x="0" y="0"/>
+          <a:ext cx="0" cy="0"/>
+          <a:chOff x="0" y="0"/>
+          <a:chExt cx="0" cy="0"/>
+        </a:xfrm>
+      </p:grpSpPr>
+      <p:sp>
+        <p:nvSpPr>
+          <p:cNvPr id="2" name="Slide Image Placeholder 1"/>
+          <p:cNvSpPr>
+            <a:spLocks noGrp="1" noRot="1" noChangeAspect="1"/>
+          </p:cNvSpPr>
+          <p:nvPr>
+            <p:ph type="sldImg"/>
+          </p:nvPr>
+        </p:nvSpPr>
+        <p:spPr/>
+      </p:sp>
+      <p:sp>
+        <p:nvSpPr>
+          <p:cNvPr id="3" name="Notes Placeholder 2"/>
+          <p:cNvSpPr>
+            <a:spLocks noGrp="1"/>
+          </p:cNvSpPr>
+          <p:nvPr>
+            <p:ph type="body" idx="1"/>
+          </p:nvPr>
+        </p:nvSpPr>
+        <p:spPr/>
+        <p:txBody>
+          <a:bodyPr/>
+          <a:lstStyle/>
+          <a:p>
+            <a:r>
+              <a:rPr lang="en-GB" dirty="0"/>
+              <a:t>Pre-processing used DASK for cleaning etc..</a:t>
+            </a:r>
+            <a:endParaRPr lang="en-CH" dirty="0"/>
+          </a:p>
+        </p:txBody>
+      </p:sp>
+      <p:sp>
+        <p:nvSpPr>
+          <p:cNvPr id="4" name="Footer Placeholder 3"/>
+          <p:cNvSpPr>
+            <a:spLocks noGrp="1"/>
+          </p:cNvSpPr>
+          <p:nvPr>
+            <p:ph type="ftr" sz="quarter" idx="4"/>
+          </p:nvPr>
+        </p:nvSpPr>
+        <p:spPr/>
+        <p:txBody>
+          <a:bodyPr/>
+          <a:lstStyle/>
+          <a:p>
+            <a:r>
+              <a:rPr lang="en-GB"/>
+              <a:t>pre-processing used DASK as the source has iver 500K reviews</a:t>
+            </a:r>
+            <a:endParaRPr lang="en-CH"/>
+          </a:p>
+        </p:txBody>
+      </p:sp>
+      <p:sp>
+        <p:nvSpPr>
+          <p:cNvPr id="5" name="Slide Number Placeholder 4"/>
+          <p:cNvSpPr>
+            <a:spLocks noGrp="1"/>
+          </p:cNvSpPr>
+          <p:nvPr>
+            <p:ph type="sldNum" sz="quarter" idx="5"/>
+          </p:nvPr>
+        </p:nvSpPr>
+        <p:spPr/>
+        <p:txBody>
+          <a:bodyPr/>
+          <a:lstStyle/>
+          <a:p>
+            <a:fld id="{6609AABF-0161-4680-88B7-170F5428BE12}" type="slidenum">
+              <a:rPr lang="en-CH" smtClean="0"/>
+              <a:t>2</a:t>
+            </a:fld>
+            <a:endParaRPr lang="en-CH"/>
+          </a:p>
+        </p:txBody>
+      </p:sp>
+    </p:spTree>
+    <p:extLst>
+      <p:ext uri="{BB962C8B-B14F-4D97-AF65-F5344CB8AC3E}">
+        <p14:creationId xmlns:p14="http://schemas.microsoft.com/office/powerpoint/2010/main" val="1812954494"/>
+      </p:ext>
+    </p:extLst>
+  </p:cSld>
+  <p:clrMapOvr>
+    <a:masterClrMapping/>
+  </p:clrMapOvr>
+</p:notes>
+</file>
+
+<file path=ppt/notesSlides/notesSlide2.xml><?xml version="1.0" encoding="utf-8"?>
+<p:notes xmlns:a="http://schemas.openxmlformats.org/drawingml/2006/main" xmlns:r="http://schemas.openxmlformats.org/officeDocument/2006/relationships" xmlns:p="http://schemas.openxmlformats.org/presentationml/2006/main">
+  <p:cSld>
+    <p:spTree>
+      <p:nvGrpSpPr>
+        <p:cNvPr id="1" name=""/>
+        <p:cNvGrpSpPr/>
+        <p:nvPr/>
+      </p:nvGrpSpPr>
+      <p:grpSpPr>
+        <a:xfrm>
+          <a:off x="0" y="0"/>
+          <a:ext cx="0" cy="0"/>
+          <a:chOff x="0" y="0"/>
+          <a:chExt cx="0" cy="0"/>
+        </a:xfrm>
+      </p:grpSpPr>
+      <p:sp>
+        <p:nvSpPr>
+          <p:cNvPr id="2" name="Slide Image Placeholder 1"/>
+          <p:cNvSpPr>
+            <a:spLocks noGrp="1" noRot="1" noChangeAspect="1"/>
+          </p:cNvSpPr>
+          <p:nvPr>
+            <p:ph type="sldImg"/>
+          </p:nvPr>
+        </p:nvSpPr>
+        <p:spPr/>
+      </p:sp>
+      <p:sp>
+        <p:nvSpPr>
+          <p:cNvPr id="3" name="Notes Placeholder 2"/>
+          <p:cNvSpPr>
+            <a:spLocks noGrp="1"/>
+          </p:cNvSpPr>
+          <p:nvPr>
+            <p:ph type="body" idx="1"/>
+          </p:nvPr>
+        </p:nvSpPr>
+        <p:spPr/>
+        <p:txBody>
+          <a:bodyPr/>
+          <a:lstStyle/>
+          <a:p>
+            <a:r>
+              <a:rPr lang="en-GB" dirty="0" err="1"/>
+              <a:t>TfidfVectorizer</a:t>
+            </a:r>
+            <a:r>
+              <a:rPr lang="en-GB" dirty="0"/>
+              <a:t>(</a:t>
+            </a:r>
+            <a:r>
+              <a:rPr lang="en-GB" dirty="0" err="1"/>
+              <a:t>max_features</a:t>
+            </a:r>
+            <a:r>
+              <a:rPr lang="en-GB" dirty="0"/>
+              <a:t>=5000) is used to create .</a:t>
+            </a:r>
+            <a:r>
+              <a:rPr lang="en-GB" dirty="0" err="1"/>
+              <a:t>npy</a:t>
+            </a:r>
+            <a:r>
+              <a:rPr lang="en-GB" dirty="0"/>
+              <a:t> files and then did </a:t>
+            </a:r>
+            <a:r>
+              <a:rPr lang="en-GB" dirty="0" err="1"/>
+              <a:t>LogisticRegression</a:t>
+            </a:r>
+            <a:r>
+              <a:rPr lang="en-GB" dirty="0"/>
+              <a:t> on them.</a:t>
+            </a:r>
+            <a:br>
+              <a:rPr lang="en-GB" dirty="0"/>
+            </a:br>
+            <a:r>
+              <a:rPr lang="en-GB" dirty="0"/>
+              <a:t>Top Domain specific words were also obtained.</a:t>
+            </a:r>
+            <a:br>
+              <a:rPr lang="en-GB" dirty="0"/>
+            </a:br>
+            <a:r>
+              <a:rPr lang="en-GB" dirty="0"/>
+              <a:t>As missing significant words were 37.7% missing words were </a:t>
+            </a:r>
+            <a:r>
+              <a:rPr lang="en-GB" dirty="0" err="1"/>
+              <a:t>reterived</a:t>
+            </a:r>
+            <a:r>
+              <a:rPr lang="en-GB" dirty="0"/>
+              <a:t> and found mote of them were in fact part of restaurant names etc, hence no action taken.</a:t>
+            </a:r>
+            <a:endParaRPr lang="en-CH" dirty="0"/>
+          </a:p>
+        </p:txBody>
+      </p:sp>
+      <p:sp>
+        <p:nvSpPr>
+          <p:cNvPr id="4" name="Footer Placeholder 3"/>
+          <p:cNvSpPr>
+            <a:spLocks noGrp="1"/>
+          </p:cNvSpPr>
+          <p:nvPr>
+            <p:ph type="ftr" sz="quarter" idx="4"/>
+          </p:nvPr>
+        </p:nvSpPr>
+        <p:spPr/>
+        <p:txBody>
+          <a:bodyPr/>
+          <a:lstStyle/>
+          <a:p>
+            <a:r>
+              <a:rPr lang="en-GB"/>
+              <a:t>pre-processing used DASK as the source has iver 500K reviews</a:t>
+            </a:r>
+            <a:endParaRPr lang="en-CH"/>
+          </a:p>
+        </p:txBody>
+      </p:sp>
+      <p:sp>
+        <p:nvSpPr>
+          <p:cNvPr id="5" name="Slide Number Placeholder 4"/>
+          <p:cNvSpPr>
+            <a:spLocks noGrp="1"/>
+          </p:cNvSpPr>
+          <p:nvPr>
+            <p:ph type="sldNum" sz="quarter" idx="5"/>
+          </p:nvPr>
+        </p:nvSpPr>
+        <p:spPr/>
+        <p:txBody>
+          <a:bodyPr/>
+          <a:lstStyle/>
+          <a:p>
+            <a:fld id="{6609AABF-0161-4680-88B7-170F5428BE12}" type="slidenum">
+              <a:rPr lang="en-CH" smtClean="0"/>
+              <a:t>3</a:t>
+            </a:fld>
+            <a:endParaRPr lang="en-CH"/>
+          </a:p>
+        </p:txBody>
+      </p:sp>
+    </p:spTree>
+    <p:extLst>
+      <p:ext uri="{BB962C8B-B14F-4D97-AF65-F5344CB8AC3E}">
+        <p14:creationId xmlns:p14="http://schemas.microsoft.com/office/powerpoint/2010/main" val="1749467045"/>
+      </p:ext>
+    </p:extLst>
+  </p:cSld>
+  <p:clrMapOvr>
+    <a:masterClrMapping/>
+  </p:clrMapOvr>
+</p:notes>
+</file>
+
 <file path=ppt/slideLayouts/slideLayout1.xml><?xml version="1.0" encoding="utf-8"?>
 <p:sldLayout xmlns:a="http://schemas.openxmlformats.org/drawingml/2006/main" xmlns:r="http://schemas.openxmlformats.org/officeDocument/2006/relationships" xmlns:p="http://schemas.openxmlformats.org/presentationml/2006/main" showMasterSp="0" type="title" preserve="1">
   <p:cSld name="Title Slide">
@@ -308,10 +1136,9 @@
           <a:bodyPr/>
           <a:lstStyle/>
           <a:p>
-            <a:fld id="{B61BEF0D-F0BB-DE4B-95CE-6DB70DBA9567}" type="datetimeFigureOut">
-              <a:rPr lang="en-US" dirty="0"/>
-              <a:pPr/>
-              <a:t>1/6/2025</a:t>
+            <a:fld id="{0FE2176C-A705-4BDB-A102-1F50831C2157}" type="datetime1">
+              <a:rPr lang="en-US" smtClean="0"/>
+              <a:t>1/7/2025</a:t>
             </a:fld>
             <a:endParaRPr lang="en-US" dirty="0"/>
           </a:p>
@@ -741,10 +1568,9 @@
           <a:bodyPr/>
           <a:lstStyle/>
           <a:p>
-            <a:fld id="{B61BEF0D-F0BB-DE4B-95CE-6DB70DBA9567}" type="datetimeFigureOut">
-              <a:rPr lang="en-US" dirty="0"/>
-              <a:pPr/>
-              <a:t>1/6/2025</a:t>
+            <a:fld id="{E6FD9C32-BB38-4843-B277-808A88903C3D}" type="datetime1">
+              <a:rPr lang="en-US" smtClean="0"/>
+              <a:t>1/7/2025</a:t>
             </a:fld>
             <a:endParaRPr lang="en-US" dirty="0"/>
           </a:p>
@@ -988,10 +1814,9 @@
           <a:bodyPr/>
           <a:lstStyle/>
           <a:p>
-            <a:fld id="{B61BEF0D-F0BB-DE4B-95CE-6DB70DBA9567}" type="datetimeFigureOut">
-              <a:rPr lang="en-US" dirty="0"/>
-              <a:pPr/>
-              <a:t>1/6/2025</a:t>
+            <a:fld id="{B5AB4C69-15F5-4A66-AC2A-173FBC69C529}" type="datetime1">
+              <a:rPr lang="en-US" smtClean="0"/>
+              <a:t>1/7/2025</a:t>
             </a:fld>
             <a:endParaRPr lang="en-US" dirty="0"/>
           </a:p>
@@ -1293,10 +2118,9 @@
           <a:bodyPr/>
           <a:lstStyle/>
           <a:p>
-            <a:fld id="{B61BEF0D-F0BB-DE4B-95CE-6DB70DBA9567}" type="datetimeFigureOut">
-              <a:rPr lang="en-US" dirty="0"/>
-              <a:pPr/>
-              <a:t>1/6/2025</a:t>
+            <a:fld id="{854763FB-B53F-4E87-A28B-16A77A3D5455}" type="datetime1">
+              <a:rPr lang="en-US" smtClean="0"/>
+              <a:t>1/7/2025</a:t>
             </a:fld>
             <a:endParaRPr lang="en-US" dirty="0"/>
           </a:p>
@@ -1608,10 +2432,9 @@
           <a:bodyPr/>
           <a:lstStyle/>
           <a:p>
-            <a:fld id="{B61BEF0D-F0BB-DE4B-95CE-6DB70DBA9567}" type="datetimeFigureOut">
-              <a:rPr lang="en-US" dirty="0"/>
-              <a:pPr/>
-              <a:t>1/6/2025</a:t>
+            <a:fld id="{2A9C0E5D-941B-48B3-A08D-2A9B09A66B89}" type="datetime1">
+              <a:rPr lang="en-US" smtClean="0"/>
+              <a:t>1/7/2025</a:t>
             </a:fld>
             <a:endParaRPr lang="en-US" dirty="0"/>
           </a:p>
@@ -1907,10 +2730,9 @@
           <a:bodyPr/>
           <a:lstStyle/>
           <a:p>
-            <a:fld id="{B61BEF0D-F0BB-DE4B-95CE-6DB70DBA9567}" type="datetimeFigureOut">
-              <a:rPr lang="en-US" dirty="0"/>
-              <a:pPr/>
-              <a:t>1/6/2025</a:t>
+            <a:fld id="{EDE040C7-5A27-4E12-8C3A-25EA91DC0ACB}" type="datetime1">
+              <a:rPr lang="en-US" smtClean="0"/>
+              <a:t>1/7/2025</a:t>
             </a:fld>
             <a:endParaRPr lang="en-US" dirty="0"/>
           </a:p>
@@ -2271,10 +3093,9 @@
           <a:bodyPr/>
           <a:lstStyle/>
           <a:p>
-            <a:fld id="{B61BEF0D-F0BB-DE4B-95CE-6DB70DBA9567}" type="datetimeFigureOut">
-              <a:rPr lang="en-US" dirty="0"/>
-              <a:pPr/>
-              <a:t>1/6/2025</a:t>
+            <a:fld id="{B338DD1B-0763-4A18-B2E8-14CD4607C827}" type="datetime1">
+              <a:rPr lang="en-US" smtClean="0"/>
+              <a:t>1/7/2025</a:t>
             </a:fld>
             <a:endParaRPr lang="en-US" dirty="0"/>
           </a:p>
@@ -2442,10 +3263,9 @@
           <a:bodyPr/>
           <a:lstStyle/>
           <a:p>
-            <a:fld id="{B61BEF0D-F0BB-DE4B-95CE-6DB70DBA9567}" type="datetimeFigureOut">
-              <a:rPr lang="en-US" dirty="0"/>
-              <a:pPr/>
-              <a:t>1/6/2025</a:t>
+            <a:fld id="{60BA8EAB-35A7-4F86-ADF9-13058C6F5A37}" type="datetime1">
+              <a:rPr lang="en-US" smtClean="0"/>
+              <a:t>1/7/2025</a:t>
             </a:fld>
             <a:endParaRPr lang="en-US" dirty="0"/>
           </a:p>
@@ -2619,10 +3439,9 @@
           <a:bodyPr/>
           <a:lstStyle/>
           <a:p>
-            <a:fld id="{B61BEF0D-F0BB-DE4B-95CE-6DB70DBA9567}" type="datetimeFigureOut">
-              <a:rPr lang="en-US" dirty="0"/>
-              <a:pPr/>
-              <a:t>1/6/2025</a:t>
+            <a:fld id="{84BEAD51-42AC-49F3-A82F-8394AA052A47}" type="datetime1">
+              <a:rPr lang="en-US" smtClean="0"/>
+              <a:t>1/7/2025</a:t>
             </a:fld>
             <a:endParaRPr lang="en-US" dirty="0"/>
           </a:p>
@@ -2786,10 +3605,9 @@
           <a:bodyPr/>
           <a:lstStyle/>
           <a:p>
-            <a:fld id="{B61BEF0D-F0BB-DE4B-95CE-6DB70DBA9567}" type="datetimeFigureOut">
-              <a:rPr lang="en-US" dirty="0"/>
-              <a:pPr/>
-              <a:t>1/6/2025</a:t>
+            <a:fld id="{EF6379D6-D4E1-471C-8DCD-F4B72066562D}" type="datetime1">
+              <a:rPr lang="en-US" smtClean="0"/>
+              <a:t>1/7/2025</a:t>
             </a:fld>
             <a:endParaRPr lang="en-US" dirty="0"/>
           </a:p>
@@ -3033,10 +3851,9 @@
           <a:bodyPr/>
           <a:lstStyle/>
           <a:p>
-            <a:fld id="{B61BEF0D-F0BB-DE4B-95CE-6DB70DBA9567}" type="datetimeFigureOut">
-              <a:rPr lang="en-US" dirty="0"/>
-              <a:pPr/>
-              <a:t>1/6/2025</a:t>
+            <a:fld id="{3DFA9F1E-BEAD-427E-B967-8EAEECE8599D}" type="datetime1">
+              <a:rPr lang="en-US" smtClean="0"/>
+              <a:t>1/7/2025</a:t>
             </a:fld>
             <a:endParaRPr lang="en-US" dirty="0"/>
           </a:p>
@@ -3266,10 +4083,9 @@
           <a:bodyPr/>
           <a:lstStyle/>
           <a:p>
-            <a:fld id="{B61BEF0D-F0BB-DE4B-95CE-6DB70DBA9567}" type="datetimeFigureOut">
-              <a:rPr lang="en-US" dirty="0"/>
-              <a:pPr/>
-              <a:t>1/6/2025</a:t>
+            <a:fld id="{2A05DBCB-B233-4921-9F5D-4D85C8286AC3}" type="datetime1">
+              <a:rPr lang="en-US" smtClean="0"/>
+              <a:t>1/7/2025</a:t>
             </a:fld>
             <a:endParaRPr lang="en-US" dirty="0"/>
           </a:p>
@@ -3645,10 +4461,9 @@
           <a:bodyPr/>
           <a:lstStyle/>
           <a:p>
-            <a:fld id="{B61BEF0D-F0BB-DE4B-95CE-6DB70DBA9567}" type="datetimeFigureOut">
-              <a:rPr lang="en-US" dirty="0"/>
-              <a:pPr/>
-              <a:t>1/6/2025</a:t>
+            <a:fld id="{BFDFEE58-C5B8-4FC6-ADC2-03ECC3CEC583}" type="datetime1">
+              <a:rPr lang="en-US" smtClean="0"/>
+              <a:t>1/7/2025</a:t>
             </a:fld>
             <a:endParaRPr lang="en-US" dirty="0"/>
           </a:p>
@@ -3760,10 +4575,9 @@
           <a:bodyPr/>
           <a:lstStyle/>
           <a:p>
-            <a:fld id="{B61BEF0D-F0BB-DE4B-95CE-6DB70DBA9567}" type="datetimeFigureOut">
-              <a:rPr lang="en-US" dirty="0"/>
-              <a:pPr/>
-              <a:t>1/6/2025</a:t>
+            <a:fld id="{C855349F-043F-4B95-86F5-1BEDA8B122DF}" type="datetime1">
+              <a:rPr lang="en-US" smtClean="0"/>
+              <a:t>1/7/2025</a:t>
             </a:fld>
             <a:endParaRPr lang="en-US" dirty="0"/>
           </a:p>
@@ -3852,10 +4666,9 @@
           <a:bodyPr/>
           <a:lstStyle/>
           <a:p>
-            <a:fld id="{B61BEF0D-F0BB-DE4B-95CE-6DB70DBA9567}" type="datetimeFigureOut">
-              <a:rPr lang="en-US" dirty="0"/>
-              <a:pPr/>
-              <a:t>1/6/2025</a:t>
+            <a:fld id="{344A9BD4-EDC1-4E86-B84E-B7A27B7E505A}" type="datetime1">
+              <a:rPr lang="en-US" smtClean="0"/>
+              <a:t>1/7/2025</a:t>
             </a:fld>
             <a:endParaRPr lang="en-US" dirty="0"/>
           </a:p>
@@ -4104,10 +4917,9 @@
           <a:bodyPr/>
           <a:lstStyle/>
           <a:p>
-            <a:fld id="{B61BEF0D-F0BB-DE4B-95CE-6DB70DBA9567}" type="datetimeFigureOut">
-              <a:rPr lang="en-US" dirty="0"/>
-              <a:pPr/>
-              <a:t>1/6/2025</a:t>
+            <a:fld id="{01BC72FB-A9FC-4CBD-BE6B-33CE89DB898B}" type="datetime1">
+              <a:rPr lang="en-US" smtClean="0"/>
+              <a:t>1/7/2025</a:t>
             </a:fld>
             <a:endParaRPr lang="en-US" dirty="0"/>
           </a:p>
@@ -4384,10 +5196,9 @@
           <a:bodyPr/>
           <a:lstStyle/>
           <a:p>
-            <a:fld id="{B61BEF0D-F0BB-DE4B-95CE-6DB70DBA9567}" type="datetimeFigureOut">
-              <a:rPr lang="en-US" dirty="0"/>
-              <a:pPr/>
-              <a:t>1/6/2025</a:t>
+            <a:fld id="{0A878717-74FB-4FD5-89F6-920FBB6E8483}" type="datetime1">
+              <a:rPr lang="en-US" smtClean="0"/>
+              <a:t>1/7/2025</a:t>
             </a:fld>
             <a:endParaRPr lang="en-US" dirty="0"/>
           </a:p>
@@ -4787,10 +5598,9 @@
             </a:lvl1pPr>
           </a:lstStyle>
           <a:p>
-            <a:fld id="{B61BEF0D-F0BB-DE4B-95CE-6DB70DBA9567}" type="datetimeFigureOut">
-              <a:rPr lang="en-US" dirty="0"/>
-              <a:pPr/>
-              <a:t>1/6/2025</a:t>
+            <a:fld id="{E6C4A9D1-8890-43F1-98AE-481AA22A5676}" type="datetime1">
+              <a:rPr lang="en-US" smtClean="0"/>
+              <a:t>1/7/2025</a:t>
             </a:fld>
             <a:endParaRPr lang="en-US" dirty="0"/>
           </a:p>
@@ -4901,6 +5711,7 @@
     <p:sldLayoutId id="2147483658" r:id="rId16"/>
     <p:sldLayoutId id="2147483659" r:id="rId17"/>
   </p:sldLayoutIdLst>
+  <p:hf sldNum="0" hdr="0" dt="0"/>
   <p:txStyles>
     <p:titleStyle>
       <a:lvl1pPr algn="l" defTabSz="457200" rtl="0" eaLnBrk="1" latinLnBrk="0" hangingPunct="1">
@@ -7250,6 +8061,170 @@
         <p:cNvPr id="1" name="">
           <a:extLst>
             <a:ext uri="{FF2B5EF4-FFF2-40B4-BE49-F238E27FC236}">
+              <a16:creationId xmlns:a16="http://schemas.microsoft.com/office/drawing/2014/main" id="{86CE9A42-11B8-7AA5-F1FF-706857325CA8}"/>
+            </a:ext>
+          </a:extLst>
+        </p:cNvPr>
+        <p:cNvGrpSpPr/>
+        <p:nvPr/>
+      </p:nvGrpSpPr>
+      <p:grpSpPr>
+        <a:xfrm>
+          <a:off x="0" y="0"/>
+          <a:ext cx="0" cy="0"/>
+          <a:chOff x="0" y="0"/>
+          <a:chExt cx="0" cy="0"/>
+        </a:xfrm>
+      </p:grpSpPr>
+      <p:sp>
+        <p:nvSpPr>
+          <p:cNvPr id="2" name="Title 1">
+            <a:extLst>
+              <a:ext uri="{FF2B5EF4-FFF2-40B4-BE49-F238E27FC236}">
+                <a16:creationId xmlns:a16="http://schemas.microsoft.com/office/drawing/2014/main" id="{EED3918B-3B90-A7A1-3DA6-DEE2227B6EAE}"/>
+              </a:ext>
+            </a:extLst>
+          </p:cNvPr>
+          <p:cNvSpPr>
+            <a:spLocks noGrp="1"/>
+          </p:cNvSpPr>
+          <p:nvPr>
+            <p:ph type="ctrTitle"/>
+          </p:nvPr>
+        </p:nvSpPr>
+        <p:spPr>
+          <a:xfrm>
+            <a:off x="684211" y="295897"/>
+            <a:ext cx="10869702" cy="1245550"/>
+          </a:xfrm>
+        </p:spPr>
+        <p:txBody>
+          <a:bodyPr>
+            <a:normAutofit/>
+          </a:bodyPr>
+          <a:lstStyle/>
+          <a:p>
+            <a:r>
+              <a:rPr lang="en-GB" sz="3200" b="1"/>
+              <a:t>NLP for Smarter Dining</a:t>
+            </a:r>
+            <a:r>
+              <a:rPr lang="en-GB" sz="3200"/>
+              <a:t>: Turning Reviews into Tailored Recommendations</a:t>
+            </a:r>
+            <a:endParaRPr lang="de-CH" sz="3200" dirty="0"/>
+          </a:p>
+        </p:txBody>
+      </p:sp>
+      <p:sp>
+        <p:nvSpPr>
+          <p:cNvPr id="3" name="Subtitle 2">
+            <a:extLst>
+              <a:ext uri="{FF2B5EF4-FFF2-40B4-BE49-F238E27FC236}">
+                <a16:creationId xmlns:a16="http://schemas.microsoft.com/office/drawing/2014/main" id="{352DF013-F28A-74FF-615E-6BBF7FA4EBC7}"/>
+              </a:ext>
+            </a:extLst>
+          </p:cNvPr>
+          <p:cNvSpPr>
+            <a:spLocks noGrp="1"/>
+          </p:cNvSpPr>
+          <p:nvPr>
+            <p:ph type="subTitle" idx="1"/>
+          </p:nvPr>
+        </p:nvSpPr>
+        <p:spPr>
+          <a:xfrm>
+            <a:off x="684211" y="1683521"/>
+            <a:ext cx="10108975" cy="4662850"/>
+          </a:xfrm>
+        </p:spPr>
+        <p:txBody>
+          <a:bodyPr>
+            <a:noAutofit/>
+          </a:bodyPr>
+          <a:lstStyle/>
+          <a:p>
+            <a:pPr lvl="0">
+              <a:lnSpc>
+                <a:spcPct val="115000"/>
+              </a:lnSpc>
+              <a:spcAft>
+                <a:spcPts val="800"/>
+              </a:spcAft>
+              <a:buSzPts val="1000"/>
+              <a:tabLst>
+                <a:tab pos="457200" algn="l"/>
+              </a:tabLst>
+            </a:pPr>
+            <a:endParaRPr lang="en-CH" sz="1800" kern="100">
+              <a:solidFill>
+                <a:schemeClr val="tx1"/>
+              </a:solidFill>
+              <a:effectLst/>
+              <a:ea typeface="Aptos" panose="020B0004020202020204" pitchFamily="34" charset="0"/>
+              <a:cs typeface="Times New Roman" panose="02020603050405020304" pitchFamily="18" charset="0"/>
+            </a:endParaRPr>
+          </a:p>
+          <a:p>
+            <a:endParaRPr lang="en-GB" sz="1800" dirty="0">
+              <a:solidFill>
+                <a:schemeClr val="tx1"/>
+              </a:solidFill>
+            </a:endParaRPr>
+          </a:p>
+        </p:txBody>
+      </p:sp>
+      <p:pic>
+        <p:nvPicPr>
+          <p:cNvPr id="5" name="Picture 4" descr="A graph of different colored bars&#10;&#10;Description automatically generated">
+            <a:extLst>
+              <a:ext uri="{FF2B5EF4-FFF2-40B4-BE49-F238E27FC236}">
+                <a16:creationId xmlns:a16="http://schemas.microsoft.com/office/drawing/2014/main" id="{56A25419-1863-BC12-5C7C-0D15FC56AE41}"/>
+              </a:ext>
+            </a:extLst>
+          </p:cNvPr>
+          <p:cNvPicPr>
+            <a:picLocks noChangeAspect="1"/>
+          </p:cNvPicPr>
+          <p:nvPr/>
+        </p:nvPicPr>
+        <p:blipFill>
+          <a:blip r:embed="rId2"/>
+          <a:stretch>
+            <a:fillRect/>
+          </a:stretch>
+        </p:blipFill>
+        <p:spPr>
+          <a:xfrm>
+            <a:off x="657595" y="274313"/>
+            <a:ext cx="10876810" cy="6309373"/>
+          </a:xfrm>
+          <a:prstGeom prst="rect">
+            <a:avLst/>
+          </a:prstGeom>
+        </p:spPr>
+      </p:pic>
+    </p:spTree>
+    <p:extLst>
+      <p:ext uri="{BB962C8B-B14F-4D97-AF65-F5344CB8AC3E}">
+        <p14:creationId xmlns:p14="http://schemas.microsoft.com/office/powerpoint/2010/main" val="1993713567"/>
+      </p:ext>
+    </p:extLst>
+  </p:cSld>
+  <p:clrMapOvr>
+    <a:masterClrMapping/>
+  </p:clrMapOvr>
+</p:sld>
+</file>
+
+<file path=ppt/slides/slide7.xml><?xml version="1.0" encoding="utf-8"?>
+<p:sld xmlns:a="http://schemas.openxmlformats.org/drawingml/2006/main" xmlns:r="http://schemas.openxmlformats.org/officeDocument/2006/relationships" xmlns:p="http://schemas.openxmlformats.org/presentationml/2006/main">
+  <p:cSld>
+    <p:spTree>
+      <p:nvGrpSpPr>
+        <p:cNvPr id="1" name="">
+          <a:extLst>
+            <a:ext uri="{FF2B5EF4-FFF2-40B4-BE49-F238E27FC236}">
               <a16:creationId xmlns:a16="http://schemas.microsoft.com/office/drawing/2014/main" id="{7F119636-5F52-0481-7BC6-892F05538E7C}"/>
             </a:ext>
           </a:extLst>
@@ -7765,7 +8740,7 @@
 </p:sld>
 </file>
 
-<file path=ppt/slides/slide7.xml><?xml version="1.0" encoding="utf-8"?>
+<file path=ppt/slides/slide8.xml><?xml version="1.0" encoding="utf-8"?>
 <p:sld xmlns:a="http://schemas.openxmlformats.org/drawingml/2006/main" xmlns:r="http://schemas.openxmlformats.org/officeDocument/2006/relationships" xmlns:p="http://schemas.openxmlformats.org/presentationml/2006/main">
   <p:cSld>
     <p:spTree>
@@ -8321,7 +9296,7 @@
 </p:sld>
 </file>
 
-<file path=ppt/slides/slide8.xml><?xml version="1.0" encoding="utf-8"?>
+<file path=ppt/slides/slide9.xml><?xml version="1.0" encoding="utf-8"?>
 <p:sld xmlns:a="http://schemas.openxmlformats.org/drawingml/2006/main" xmlns:r="http://schemas.openxmlformats.org/officeDocument/2006/relationships" xmlns:p="http://schemas.openxmlformats.org/presentationml/2006/main">
   <p:cSld>
     <p:spTree>
@@ -8767,4 +9742,634 @@
     </a:ext>
   </a:extLst>
 </a:theme>
+</file>
+
+<file path=ppt/theme/theme2.xml><?xml version="1.0" encoding="utf-8"?>
+<a:theme xmlns:a="http://schemas.openxmlformats.org/drawingml/2006/main" name="Office Theme">
+  <a:themeElements>
+    <a:clrScheme name="Office">
+      <a:dk1>
+        <a:sysClr val="windowText" lastClr="000000"/>
+      </a:dk1>
+      <a:lt1>
+        <a:sysClr val="window" lastClr="FFFFFF"/>
+      </a:lt1>
+      <a:dk2>
+        <a:srgbClr val="0E2841"/>
+      </a:dk2>
+      <a:lt2>
+        <a:srgbClr val="E8E8E8"/>
+      </a:lt2>
+      <a:accent1>
+        <a:srgbClr val="156082"/>
+      </a:accent1>
+      <a:accent2>
+        <a:srgbClr val="E97132"/>
+      </a:accent2>
+      <a:accent3>
+        <a:srgbClr val="196B24"/>
+      </a:accent3>
+      <a:accent4>
+        <a:srgbClr val="0F9ED5"/>
+      </a:accent4>
+      <a:accent5>
+        <a:srgbClr val="A02B93"/>
+      </a:accent5>
+      <a:accent6>
+        <a:srgbClr val="4EA72E"/>
+      </a:accent6>
+      <a:hlink>
+        <a:srgbClr val="467886"/>
+      </a:hlink>
+      <a:folHlink>
+        <a:srgbClr val="96607D"/>
+      </a:folHlink>
+    </a:clrScheme>
+    <a:fontScheme name="Office">
+      <a:majorFont>
+        <a:latin typeface="Aptos Display" panose="02110004020202020204"/>
+        <a:ea typeface=""/>
+        <a:cs typeface=""/>
+        <a:font script="Jpan" typeface="游ゴシック Light"/>
+        <a:font script="Hang" typeface="맑은 고딕"/>
+        <a:font script="Hans" typeface="等线 Light"/>
+        <a:font script="Hant" typeface="新細明體"/>
+        <a:font script="Arab" typeface="Times New Roman"/>
+        <a:font script="Hebr" typeface="Times New Roman"/>
+        <a:font script="Thai" typeface="Angsana New"/>
+        <a:font script="Ethi" typeface="Nyala"/>
+        <a:font script="Beng" typeface="Vrinda"/>
+        <a:font script="Gujr" typeface="Shruti"/>
+        <a:font script="Khmr" typeface="MoolBoran"/>
+        <a:font script="Knda" typeface="Tunga"/>
+        <a:font script="Guru" typeface="Raavi"/>
+        <a:font script="Cans" typeface="Euphemia"/>
+        <a:font script="Cher" typeface="Plantagenet Cherokee"/>
+        <a:font script="Yiii" typeface="Microsoft Yi Baiti"/>
+        <a:font script="Tibt" typeface="Microsoft Himalaya"/>
+        <a:font script="Thaa" typeface="MV Boli"/>
+        <a:font script="Deva" typeface="Mangal"/>
+        <a:font script="Telu" typeface="Gautami"/>
+        <a:font script="Taml" typeface="Latha"/>
+        <a:font script="Syrc" typeface="Estrangelo Edessa"/>
+        <a:font script="Orya" typeface="Kalinga"/>
+        <a:font script="Mlym" typeface="Kartika"/>
+        <a:font script="Laoo" typeface="DokChampa"/>
+        <a:font script="Sinh" typeface="Iskoola Pota"/>
+        <a:font script="Mong" typeface="Mongolian Baiti"/>
+        <a:font script="Viet" typeface="Times New Roman"/>
+        <a:font script="Uigh" typeface="Microsoft Uighur"/>
+        <a:font script="Geor" typeface="Sylfaen"/>
+        <a:font script="Armn" typeface="Arial"/>
+        <a:font script="Bugi" typeface="Leelawadee UI"/>
+        <a:font script="Bopo" typeface="Microsoft JhengHei"/>
+        <a:font script="Java" typeface="Javanese Text"/>
+        <a:font script="Lisu" typeface="Segoe UI"/>
+        <a:font script="Mymr" typeface="Myanmar Text"/>
+        <a:font script="Nkoo" typeface="Ebrima"/>
+        <a:font script="Olck" typeface="Nirmala UI"/>
+        <a:font script="Osma" typeface="Ebrima"/>
+        <a:font script="Phag" typeface="Phagspa"/>
+        <a:font script="Syrn" typeface="Estrangelo Edessa"/>
+        <a:font script="Syrj" typeface="Estrangelo Edessa"/>
+        <a:font script="Syre" typeface="Estrangelo Edessa"/>
+        <a:font script="Sora" typeface="Nirmala UI"/>
+        <a:font script="Tale" typeface="Microsoft Tai Le"/>
+        <a:font script="Talu" typeface="Microsoft New Tai Lue"/>
+        <a:font script="Tfng" typeface="Ebrima"/>
+      </a:majorFont>
+      <a:minorFont>
+        <a:latin typeface="Aptos" panose="02110004020202020204"/>
+        <a:ea typeface=""/>
+        <a:cs typeface=""/>
+        <a:font script="Jpan" typeface="游ゴシック"/>
+        <a:font script="Hang" typeface="맑은 고딕"/>
+        <a:font script="Hans" typeface="等线"/>
+        <a:font script="Hant" typeface="新細明體"/>
+        <a:font script="Arab" typeface="Arial"/>
+        <a:font script="Hebr" typeface="Arial"/>
+        <a:font script="Thai" typeface="Cordia New"/>
+        <a:font script="Ethi" typeface="Nyala"/>
+        <a:font script="Beng" typeface="Vrinda"/>
+        <a:font script="Gujr" typeface="Shruti"/>
+        <a:font script="Khmr" typeface="DaunPenh"/>
+        <a:font script="Knda" typeface="Tunga"/>
+        <a:font script="Guru" typeface="Raavi"/>
+        <a:font script="Cans" typeface="Euphemia"/>
+        <a:font script="Cher" typeface="Plantagenet Cherokee"/>
+        <a:font script="Yiii" typeface="Microsoft Yi Baiti"/>
+        <a:font script="Tibt" typeface="Microsoft Himalaya"/>
+        <a:font script="Thaa" typeface="MV Boli"/>
+        <a:font script="Deva" typeface="Mangal"/>
+        <a:font script="Telu" typeface="Gautami"/>
+        <a:font script="Taml" typeface="Latha"/>
+        <a:font script="Syrc" typeface="Estrangelo Edessa"/>
+        <a:font script="Orya" typeface="Kalinga"/>
+        <a:font script="Mlym" typeface="Kartika"/>
+        <a:font script="Laoo" typeface="DokChampa"/>
+        <a:font script="Sinh" typeface="Iskoola Pota"/>
+        <a:font script="Mong" typeface="Mongolian Baiti"/>
+        <a:font script="Viet" typeface="Arial"/>
+        <a:font script="Uigh" typeface="Microsoft Uighur"/>
+        <a:font script="Geor" typeface="Sylfaen"/>
+        <a:font script="Armn" typeface="Arial"/>
+        <a:font script="Bugi" typeface="Leelawadee UI"/>
+        <a:font script="Bopo" typeface="Microsoft JhengHei"/>
+        <a:font script="Java" typeface="Javanese Text"/>
+        <a:font script="Lisu" typeface="Segoe UI"/>
+        <a:font script="Mymr" typeface="Myanmar Text"/>
+        <a:font script="Nkoo" typeface="Ebrima"/>
+        <a:font script="Olck" typeface="Nirmala UI"/>
+        <a:font script="Osma" typeface="Ebrima"/>
+        <a:font script="Phag" typeface="Phagspa"/>
+        <a:font script="Syrn" typeface="Estrangelo Edessa"/>
+        <a:font script="Syrj" typeface="Estrangelo Edessa"/>
+        <a:font script="Syre" typeface="Estrangelo Edessa"/>
+        <a:font script="Sora" typeface="Nirmala UI"/>
+        <a:font script="Tale" typeface="Microsoft Tai Le"/>
+        <a:font script="Talu" typeface="Microsoft New Tai Lue"/>
+        <a:font script="Tfng" typeface="Ebrima"/>
+      </a:minorFont>
+    </a:fontScheme>
+    <a:fmtScheme name="Office">
+      <a:fillStyleLst>
+        <a:solidFill>
+          <a:schemeClr val="phClr"/>
+        </a:solidFill>
+        <a:gradFill rotWithShape="1">
+          <a:gsLst>
+            <a:gs pos="0">
+              <a:schemeClr val="phClr">
+                <a:lumMod val="110000"/>
+                <a:satMod val="105000"/>
+                <a:tint val="67000"/>
+              </a:schemeClr>
+            </a:gs>
+            <a:gs pos="50000">
+              <a:schemeClr val="phClr">
+                <a:lumMod val="105000"/>
+                <a:satMod val="103000"/>
+                <a:tint val="73000"/>
+              </a:schemeClr>
+            </a:gs>
+            <a:gs pos="100000">
+              <a:schemeClr val="phClr">
+                <a:lumMod val="105000"/>
+                <a:satMod val="109000"/>
+                <a:tint val="81000"/>
+              </a:schemeClr>
+            </a:gs>
+          </a:gsLst>
+          <a:lin ang="5400000" scaled="0"/>
+        </a:gradFill>
+        <a:gradFill rotWithShape="1">
+          <a:gsLst>
+            <a:gs pos="0">
+              <a:schemeClr val="phClr">
+                <a:satMod val="103000"/>
+                <a:lumMod val="102000"/>
+                <a:tint val="94000"/>
+              </a:schemeClr>
+            </a:gs>
+            <a:gs pos="50000">
+              <a:schemeClr val="phClr">
+                <a:satMod val="110000"/>
+                <a:lumMod val="100000"/>
+                <a:shade val="100000"/>
+              </a:schemeClr>
+            </a:gs>
+            <a:gs pos="100000">
+              <a:schemeClr val="phClr">
+                <a:lumMod val="99000"/>
+                <a:satMod val="120000"/>
+                <a:shade val="78000"/>
+              </a:schemeClr>
+            </a:gs>
+          </a:gsLst>
+          <a:lin ang="5400000" scaled="0"/>
+        </a:gradFill>
+      </a:fillStyleLst>
+      <a:lnStyleLst>
+        <a:ln w="12700" cap="flat" cmpd="sng" algn="ctr">
+          <a:solidFill>
+            <a:schemeClr val="phClr"/>
+          </a:solidFill>
+          <a:prstDash val="solid"/>
+          <a:miter lim="800000"/>
+        </a:ln>
+        <a:ln w="19050" cap="flat" cmpd="sng" algn="ctr">
+          <a:solidFill>
+            <a:schemeClr val="phClr"/>
+          </a:solidFill>
+          <a:prstDash val="solid"/>
+          <a:miter lim="800000"/>
+        </a:ln>
+        <a:ln w="25400" cap="flat" cmpd="sng" algn="ctr">
+          <a:solidFill>
+            <a:schemeClr val="phClr"/>
+          </a:solidFill>
+          <a:prstDash val="solid"/>
+          <a:miter lim="800000"/>
+        </a:ln>
+      </a:lnStyleLst>
+      <a:effectStyleLst>
+        <a:effectStyle>
+          <a:effectLst/>
+        </a:effectStyle>
+        <a:effectStyle>
+          <a:effectLst/>
+        </a:effectStyle>
+        <a:effectStyle>
+          <a:effectLst>
+            <a:outerShdw blurRad="57150" dist="19050" dir="5400000" algn="ctr" rotWithShape="0">
+              <a:srgbClr val="000000">
+                <a:alpha val="63000"/>
+              </a:srgbClr>
+            </a:outerShdw>
+          </a:effectLst>
+        </a:effectStyle>
+      </a:effectStyleLst>
+      <a:bgFillStyleLst>
+        <a:solidFill>
+          <a:schemeClr val="phClr"/>
+        </a:solidFill>
+        <a:solidFill>
+          <a:schemeClr val="phClr">
+            <a:tint val="95000"/>
+            <a:satMod val="170000"/>
+          </a:schemeClr>
+        </a:solidFill>
+        <a:gradFill rotWithShape="1">
+          <a:gsLst>
+            <a:gs pos="0">
+              <a:schemeClr val="phClr">
+                <a:tint val="93000"/>
+                <a:satMod val="150000"/>
+                <a:shade val="98000"/>
+                <a:lumMod val="102000"/>
+              </a:schemeClr>
+            </a:gs>
+            <a:gs pos="50000">
+              <a:schemeClr val="phClr">
+                <a:tint val="98000"/>
+                <a:satMod val="130000"/>
+                <a:shade val="90000"/>
+                <a:lumMod val="103000"/>
+              </a:schemeClr>
+            </a:gs>
+            <a:gs pos="100000">
+              <a:schemeClr val="phClr">
+                <a:shade val="63000"/>
+                <a:satMod val="120000"/>
+              </a:schemeClr>
+            </a:gs>
+          </a:gsLst>
+          <a:lin ang="5400000" scaled="0"/>
+        </a:gradFill>
+      </a:bgFillStyleLst>
+    </a:fmtScheme>
+  </a:themeElements>
+  <a:objectDefaults>
+    <a:lnDef>
+      <a:spPr/>
+      <a:bodyPr/>
+      <a:lstStyle/>
+      <a:style>
+        <a:lnRef idx="2">
+          <a:schemeClr val="accent1"/>
+        </a:lnRef>
+        <a:fillRef idx="0">
+          <a:schemeClr val="accent1"/>
+        </a:fillRef>
+        <a:effectRef idx="1">
+          <a:schemeClr val="accent1"/>
+        </a:effectRef>
+        <a:fontRef idx="minor">
+          <a:schemeClr val="tx1"/>
+        </a:fontRef>
+      </a:style>
+    </a:lnDef>
+  </a:objectDefaults>
+  <a:extraClrSchemeLst/>
+  <a:extLst>
+    <a:ext uri="{05A4C25C-085E-4340-85A3-A5531E510DB2}">
+      <thm15:themeFamily xmlns:thm15="http://schemas.microsoft.com/office/thememl/2012/main" name="Office Theme" id="{2E142A2C-CD16-42D6-873A-C26D2A0506FA}" vid="{1BDDFF52-6CD6-40A5-AB3C-68EB2F1E4D0A}"/>
+    </a:ext>
+  </a:extLst>
+</a:theme>
+</file>
+
+<file path=ppt/theme/theme3.xml><?xml version="1.0" encoding="utf-8"?>
+<a:theme xmlns:a="http://schemas.openxmlformats.org/drawingml/2006/main" name="Office Theme">
+  <a:themeElements>
+    <a:clrScheme name="Office">
+      <a:dk1>
+        <a:sysClr val="windowText" lastClr="000000"/>
+      </a:dk1>
+      <a:lt1>
+        <a:sysClr val="window" lastClr="FFFFFF"/>
+      </a:lt1>
+      <a:dk2>
+        <a:srgbClr val="0E2841"/>
+      </a:dk2>
+      <a:lt2>
+        <a:srgbClr val="E8E8E8"/>
+      </a:lt2>
+      <a:accent1>
+        <a:srgbClr val="156082"/>
+      </a:accent1>
+      <a:accent2>
+        <a:srgbClr val="E97132"/>
+      </a:accent2>
+      <a:accent3>
+        <a:srgbClr val="196B24"/>
+      </a:accent3>
+      <a:accent4>
+        <a:srgbClr val="0F9ED5"/>
+      </a:accent4>
+      <a:accent5>
+        <a:srgbClr val="A02B93"/>
+      </a:accent5>
+      <a:accent6>
+        <a:srgbClr val="4EA72E"/>
+      </a:accent6>
+      <a:hlink>
+        <a:srgbClr val="467886"/>
+      </a:hlink>
+      <a:folHlink>
+        <a:srgbClr val="96607D"/>
+      </a:folHlink>
+    </a:clrScheme>
+    <a:fontScheme name="Office">
+      <a:majorFont>
+        <a:latin typeface="Aptos Display" panose="02110004020202020204"/>
+        <a:ea typeface=""/>
+        <a:cs typeface=""/>
+        <a:font script="Jpan" typeface="游ゴシック Light"/>
+        <a:font script="Hang" typeface="맑은 고딕"/>
+        <a:font script="Hans" typeface="等线 Light"/>
+        <a:font script="Hant" typeface="新細明體"/>
+        <a:font script="Arab" typeface="Times New Roman"/>
+        <a:font script="Hebr" typeface="Times New Roman"/>
+        <a:font script="Thai" typeface="Angsana New"/>
+        <a:font script="Ethi" typeface="Nyala"/>
+        <a:font script="Beng" typeface="Vrinda"/>
+        <a:font script="Gujr" typeface="Shruti"/>
+        <a:font script="Khmr" typeface="MoolBoran"/>
+        <a:font script="Knda" typeface="Tunga"/>
+        <a:font script="Guru" typeface="Raavi"/>
+        <a:font script="Cans" typeface="Euphemia"/>
+        <a:font script="Cher" typeface="Plantagenet Cherokee"/>
+        <a:font script="Yiii" typeface="Microsoft Yi Baiti"/>
+        <a:font script="Tibt" typeface="Microsoft Himalaya"/>
+        <a:font script="Thaa" typeface="MV Boli"/>
+        <a:font script="Deva" typeface="Mangal"/>
+        <a:font script="Telu" typeface="Gautami"/>
+        <a:font script="Taml" typeface="Latha"/>
+        <a:font script="Syrc" typeface="Estrangelo Edessa"/>
+        <a:font script="Orya" typeface="Kalinga"/>
+        <a:font script="Mlym" typeface="Kartika"/>
+        <a:font script="Laoo" typeface="DokChampa"/>
+        <a:font script="Sinh" typeface="Iskoola Pota"/>
+        <a:font script="Mong" typeface="Mongolian Baiti"/>
+        <a:font script="Viet" typeface="Times New Roman"/>
+        <a:font script="Uigh" typeface="Microsoft Uighur"/>
+        <a:font script="Geor" typeface="Sylfaen"/>
+        <a:font script="Armn" typeface="Arial"/>
+        <a:font script="Bugi" typeface="Leelawadee UI"/>
+        <a:font script="Bopo" typeface="Microsoft JhengHei"/>
+        <a:font script="Java" typeface="Javanese Text"/>
+        <a:font script="Lisu" typeface="Segoe UI"/>
+        <a:font script="Mymr" typeface="Myanmar Text"/>
+        <a:font script="Nkoo" typeface="Ebrima"/>
+        <a:font script="Olck" typeface="Nirmala UI"/>
+        <a:font script="Osma" typeface="Ebrima"/>
+        <a:font script="Phag" typeface="Phagspa"/>
+        <a:font script="Syrn" typeface="Estrangelo Edessa"/>
+        <a:font script="Syrj" typeface="Estrangelo Edessa"/>
+        <a:font script="Syre" typeface="Estrangelo Edessa"/>
+        <a:font script="Sora" typeface="Nirmala UI"/>
+        <a:font script="Tale" typeface="Microsoft Tai Le"/>
+        <a:font script="Talu" typeface="Microsoft New Tai Lue"/>
+        <a:font script="Tfng" typeface="Ebrima"/>
+      </a:majorFont>
+      <a:minorFont>
+        <a:latin typeface="Aptos" panose="02110004020202020204"/>
+        <a:ea typeface=""/>
+        <a:cs typeface=""/>
+        <a:font script="Jpan" typeface="游ゴシック"/>
+        <a:font script="Hang" typeface="맑은 고딕"/>
+        <a:font script="Hans" typeface="等线"/>
+        <a:font script="Hant" typeface="新細明體"/>
+        <a:font script="Arab" typeface="Arial"/>
+        <a:font script="Hebr" typeface="Arial"/>
+        <a:font script="Thai" typeface="Cordia New"/>
+        <a:font script="Ethi" typeface="Nyala"/>
+        <a:font script="Beng" typeface="Vrinda"/>
+        <a:font script="Gujr" typeface="Shruti"/>
+        <a:font script="Khmr" typeface="DaunPenh"/>
+        <a:font script="Knda" typeface="Tunga"/>
+        <a:font script="Guru" typeface="Raavi"/>
+        <a:font script="Cans" typeface="Euphemia"/>
+        <a:font script="Cher" typeface="Plantagenet Cherokee"/>
+        <a:font script="Yiii" typeface="Microsoft Yi Baiti"/>
+        <a:font script="Tibt" typeface="Microsoft Himalaya"/>
+        <a:font script="Thaa" typeface="MV Boli"/>
+        <a:font script="Deva" typeface="Mangal"/>
+        <a:font script="Telu" typeface="Gautami"/>
+        <a:font script="Taml" typeface="Latha"/>
+        <a:font script="Syrc" typeface="Estrangelo Edessa"/>
+        <a:font script="Orya" typeface="Kalinga"/>
+        <a:font script="Mlym" typeface="Kartika"/>
+        <a:font script="Laoo" typeface="DokChampa"/>
+        <a:font script="Sinh" typeface="Iskoola Pota"/>
+        <a:font script="Mong" typeface="Mongolian Baiti"/>
+        <a:font script="Viet" typeface="Arial"/>
+        <a:font script="Uigh" typeface="Microsoft Uighur"/>
+        <a:font script="Geor" typeface="Sylfaen"/>
+        <a:font script="Armn" typeface="Arial"/>
+        <a:font script="Bugi" typeface="Leelawadee UI"/>
+        <a:font script="Bopo" typeface="Microsoft JhengHei"/>
+        <a:font script="Java" typeface="Javanese Text"/>
+        <a:font script="Lisu" typeface="Segoe UI"/>
+        <a:font script="Mymr" typeface="Myanmar Text"/>
+        <a:font script="Nkoo" typeface="Ebrima"/>
+        <a:font script="Olck" typeface="Nirmala UI"/>
+        <a:font script="Osma" typeface="Ebrima"/>
+        <a:font script="Phag" typeface="Phagspa"/>
+        <a:font script="Syrn" typeface="Estrangelo Edessa"/>
+        <a:font script="Syrj" typeface="Estrangelo Edessa"/>
+        <a:font script="Syre" typeface="Estrangelo Edessa"/>
+        <a:font script="Sora" typeface="Nirmala UI"/>
+        <a:font script="Tale" typeface="Microsoft Tai Le"/>
+        <a:font script="Talu" typeface="Microsoft New Tai Lue"/>
+        <a:font script="Tfng" typeface="Ebrima"/>
+      </a:minorFont>
+    </a:fontScheme>
+    <a:fmtScheme name="Office">
+      <a:fillStyleLst>
+        <a:solidFill>
+          <a:schemeClr val="phClr"/>
+        </a:solidFill>
+        <a:gradFill rotWithShape="1">
+          <a:gsLst>
+            <a:gs pos="0">
+              <a:schemeClr val="phClr">
+                <a:lumMod val="110000"/>
+                <a:satMod val="105000"/>
+                <a:tint val="67000"/>
+              </a:schemeClr>
+            </a:gs>
+            <a:gs pos="50000">
+              <a:schemeClr val="phClr">
+                <a:lumMod val="105000"/>
+                <a:satMod val="103000"/>
+                <a:tint val="73000"/>
+              </a:schemeClr>
+            </a:gs>
+            <a:gs pos="100000">
+              <a:schemeClr val="phClr">
+                <a:lumMod val="105000"/>
+                <a:satMod val="109000"/>
+                <a:tint val="81000"/>
+              </a:schemeClr>
+            </a:gs>
+          </a:gsLst>
+          <a:lin ang="5400000" scaled="0"/>
+        </a:gradFill>
+        <a:gradFill rotWithShape="1">
+          <a:gsLst>
+            <a:gs pos="0">
+              <a:schemeClr val="phClr">
+                <a:satMod val="103000"/>
+                <a:lumMod val="102000"/>
+                <a:tint val="94000"/>
+              </a:schemeClr>
+            </a:gs>
+            <a:gs pos="50000">
+              <a:schemeClr val="phClr">
+                <a:satMod val="110000"/>
+                <a:lumMod val="100000"/>
+                <a:shade val="100000"/>
+              </a:schemeClr>
+            </a:gs>
+            <a:gs pos="100000">
+              <a:schemeClr val="phClr">
+                <a:lumMod val="99000"/>
+                <a:satMod val="120000"/>
+                <a:shade val="78000"/>
+              </a:schemeClr>
+            </a:gs>
+          </a:gsLst>
+          <a:lin ang="5400000" scaled="0"/>
+        </a:gradFill>
+      </a:fillStyleLst>
+      <a:lnStyleLst>
+        <a:ln w="12700" cap="flat" cmpd="sng" algn="ctr">
+          <a:solidFill>
+            <a:schemeClr val="phClr"/>
+          </a:solidFill>
+          <a:prstDash val="solid"/>
+          <a:miter lim="800000"/>
+        </a:ln>
+        <a:ln w="19050" cap="flat" cmpd="sng" algn="ctr">
+          <a:solidFill>
+            <a:schemeClr val="phClr"/>
+          </a:solidFill>
+          <a:prstDash val="solid"/>
+          <a:miter lim="800000"/>
+        </a:ln>
+        <a:ln w="25400" cap="flat" cmpd="sng" algn="ctr">
+          <a:solidFill>
+            <a:schemeClr val="phClr"/>
+          </a:solidFill>
+          <a:prstDash val="solid"/>
+          <a:miter lim="800000"/>
+        </a:ln>
+      </a:lnStyleLst>
+      <a:effectStyleLst>
+        <a:effectStyle>
+          <a:effectLst/>
+        </a:effectStyle>
+        <a:effectStyle>
+          <a:effectLst/>
+        </a:effectStyle>
+        <a:effectStyle>
+          <a:effectLst>
+            <a:outerShdw blurRad="57150" dist="19050" dir="5400000" algn="ctr" rotWithShape="0">
+              <a:srgbClr val="000000">
+                <a:alpha val="63000"/>
+              </a:srgbClr>
+            </a:outerShdw>
+          </a:effectLst>
+        </a:effectStyle>
+      </a:effectStyleLst>
+      <a:bgFillStyleLst>
+        <a:solidFill>
+          <a:schemeClr val="phClr"/>
+        </a:solidFill>
+        <a:solidFill>
+          <a:schemeClr val="phClr">
+            <a:tint val="95000"/>
+            <a:satMod val="170000"/>
+          </a:schemeClr>
+        </a:solidFill>
+        <a:gradFill rotWithShape="1">
+          <a:gsLst>
+            <a:gs pos="0">
+              <a:schemeClr val="phClr">
+                <a:tint val="93000"/>
+                <a:satMod val="150000"/>
+                <a:shade val="98000"/>
+                <a:lumMod val="102000"/>
+              </a:schemeClr>
+            </a:gs>
+            <a:gs pos="50000">
+              <a:schemeClr val="phClr">
+                <a:tint val="98000"/>
+                <a:satMod val="130000"/>
+                <a:shade val="90000"/>
+                <a:lumMod val="103000"/>
+              </a:schemeClr>
+            </a:gs>
+            <a:gs pos="100000">
+              <a:schemeClr val="phClr">
+                <a:shade val="63000"/>
+                <a:satMod val="120000"/>
+              </a:schemeClr>
+            </a:gs>
+          </a:gsLst>
+          <a:lin ang="5400000" scaled="0"/>
+        </a:gradFill>
+      </a:bgFillStyleLst>
+    </a:fmtScheme>
+  </a:themeElements>
+  <a:objectDefaults>
+    <a:lnDef>
+      <a:spPr/>
+      <a:bodyPr/>
+      <a:lstStyle/>
+      <a:style>
+        <a:lnRef idx="2">
+          <a:schemeClr val="accent1"/>
+        </a:lnRef>
+        <a:fillRef idx="0">
+          <a:schemeClr val="accent1"/>
+        </a:fillRef>
+        <a:effectRef idx="1">
+          <a:schemeClr val="accent1"/>
+        </a:effectRef>
+        <a:fontRef idx="minor">
+          <a:schemeClr val="tx1"/>
+        </a:fontRef>
+      </a:style>
+    </a:lnDef>
+  </a:objectDefaults>
+  <a:extraClrSchemeLst/>
+  <a:extLst>
+    <a:ext uri="{05A4C25C-085E-4340-85A3-A5531E510DB2}">
+      <thm15:themeFamily xmlns:thm15="http://schemas.microsoft.com/office/thememl/2012/main" name="Office Theme" id="{2E142A2C-CD16-42D6-873A-C26D2A0506FA}" vid="{1BDDFF52-6CD6-40A5-AB3C-68EB2F1E4D0A}"/>
+    </a:ext>
+  </a:extLst>
+</a:theme>
 </file>
--- a/cas_textanalytics_project_2/NLP_for_Smart_Dining_Project.pptx
+++ b/cas_textanalytics_project_2/NLP_for_Smart_Dining_Project.pptx
@@ -5,10 +5,10 @@
     <p:sldMasterId id="2147483648" r:id="rId1"/>
   </p:sldMasterIdLst>
   <p:notesMasterIdLst>
-    <p:notesMasterId r:id="rId11"/>
+    <p:notesMasterId r:id="rId12"/>
   </p:notesMasterIdLst>
   <p:handoutMasterIdLst>
-    <p:handoutMasterId r:id="rId12"/>
+    <p:handoutMasterId r:id="rId13"/>
   </p:handoutMasterIdLst>
   <p:sldIdLst>
     <p:sldId id="256" r:id="rId2"/>
@@ -20,6 +20,7 @@
     <p:sldId id="268" r:id="rId8"/>
     <p:sldId id="269" r:id="rId9"/>
     <p:sldId id="270" r:id="rId10"/>
+    <p:sldId id="272" r:id="rId11"/>
   </p:sldIdLst>
   <p:sldSz cx="12192000" cy="6858000"/>
   <p:notesSz cx="6858000" cy="9144000"/>
@@ -220,7 +221,7 @@
           <a:p>
             <a:fld id="{2DAA9117-76C4-4D25-A5DC-B8E57B50BC73}" type="datetimeFigureOut">
               <a:rPr lang="en-CH" smtClean="0"/>
-              <a:t>07/01/2025</a:t>
+              <a:t>12/01/2025</a:t>
             </a:fld>
             <a:endParaRPr lang="en-CH"/>
           </a:p>
@@ -402,7 +403,7 @@
           <a:p>
             <a:fld id="{884B94D9-9D84-4EF0-9A75-8A9124351D2C}" type="datetimeFigureOut">
               <a:rPr lang="en-CH" smtClean="0"/>
-              <a:t>07/01/2025</a:t>
+              <a:t>12/01/2025</a:t>
             </a:fld>
             <a:endParaRPr lang="en-CH"/>
           </a:p>
@@ -1138,7 +1139,7 @@
           <a:p>
             <a:fld id="{0FE2176C-A705-4BDB-A102-1F50831C2157}" type="datetime1">
               <a:rPr lang="en-US" smtClean="0"/>
-              <a:t>1/7/2025</a:t>
+              <a:t>1/12/2025</a:t>
             </a:fld>
             <a:endParaRPr lang="en-US" dirty="0"/>
           </a:p>
@@ -1570,7 +1571,7 @@
           <a:p>
             <a:fld id="{E6FD9C32-BB38-4843-B277-808A88903C3D}" type="datetime1">
               <a:rPr lang="en-US" smtClean="0"/>
-              <a:t>1/7/2025</a:t>
+              <a:t>1/12/2025</a:t>
             </a:fld>
             <a:endParaRPr lang="en-US" dirty="0"/>
           </a:p>
@@ -1816,7 +1817,7 @@
           <a:p>
             <a:fld id="{B5AB4C69-15F5-4A66-AC2A-173FBC69C529}" type="datetime1">
               <a:rPr lang="en-US" smtClean="0"/>
-              <a:t>1/7/2025</a:t>
+              <a:t>1/12/2025</a:t>
             </a:fld>
             <a:endParaRPr lang="en-US" dirty="0"/>
           </a:p>
@@ -2120,7 +2121,7 @@
           <a:p>
             <a:fld id="{854763FB-B53F-4E87-A28B-16A77A3D5455}" type="datetime1">
               <a:rPr lang="en-US" smtClean="0"/>
-              <a:t>1/7/2025</a:t>
+              <a:t>1/12/2025</a:t>
             </a:fld>
             <a:endParaRPr lang="en-US" dirty="0"/>
           </a:p>
@@ -2434,7 +2435,7 @@
           <a:p>
             <a:fld id="{2A9C0E5D-941B-48B3-A08D-2A9B09A66B89}" type="datetime1">
               <a:rPr lang="en-US" smtClean="0"/>
-              <a:t>1/7/2025</a:t>
+              <a:t>1/12/2025</a:t>
             </a:fld>
             <a:endParaRPr lang="en-US" dirty="0"/>
           </a:p>
@@ -2732,7 +2733,7 @@
           <a:p>
             <a:fld id="{EDE040C7-5A27-4E12-8C3A-25EA91DC0ACB}" type="datetime1">
               <a:rPr lang="en-US" smtClean="0"/>
-              <a:t>1/7/2025</a:t>
+              <a:t>1/12/2025</a:t>
             </a:fld>
             <a:endParaRPr lang="en-US" dirty="0"/>
           </a:p>
@@ -3095,7 +3096,7 @@
           <a:p>
             <a:fld id="{B338DD1B-0763-4A18-B2E8-14CD4607C827}" type="datetime1">
               <a:rPr lang="en-US" smtClean="0"/>
-              <a:t>1/7/2025</a:t>
+              <a:t>1/12/2025</a:t>
             </a:fld>
             <a:endParaRPr lang="en-US" dirty="0"/>
           </a:p>
@@ -3265,7 +3266,7 @@
           <a:p>
             <a:fld id="{60BA8EAB-35A7-4F86-ADF9-13058C6F5A37}" type="datetime1">
               <a:rPr lang="en-US" smtClean="0"/>
-              <a:t>1/7/2025</a:t>
+              <a:t>1/12/2025</a:t>
             </a:fld>
             <a:endParaRPr lang="en-US" dirty="0"/>
           </a:p>
@@ -3441,7 +3442,7 @@
           <a:p>
             <a:fld id="{84BEAD51-42AC-49F3-A82F-8394AA052A47}" type="datetime1">
               <a:rPr lang="en-US" smtClean="0"/>
-              <a:t>1/7/2025</a:t>
+              <a:t>1/12/2025</a:t>
             </a:fld>
             <a:endParaRPr lang="en-US" dirty="0"/>
           </a:p>
@@ -3607,7 +3608,7 @@
           <a:p>
             <a:fld id="{EF6379D6-D4E1-471C-8DCD-F4B72066562D}" type="datetime1">
               <a:rPr lang="en-US" smtClean="0"/>
-              <a:t>1/7/2025</a:t>
+              <a:t>1/12/2025</a:t>
             </a:fld>
             <a:endParaRPr lang="en-US" dirty="0"/>
           </a:p>
@@ -3853,7 +3854,7 @@
           <a:p>
             <a:fld id="{3DFA9F1E-BEAD-427E-B967-8EAEECE8599D}" type="datetime1">
               <a:rPr lang="en-US" smtClean="0"/>
-              <a:t>1/7/2025</a:t>
+              <a:t>1/12/2025</a:t>
             </a:fld>
             <a:endParaRPr lang="en-US" dirty="0"/>
           </a:p>
@@ -4085,7 +4086,7 @@
           <a:p>
             <a:fld id="{2A05DBCB-B233-4921-9F5D-4D85C8286AC3}" type="datetime1">
               <a:rPr lang="en-US" smtClean="0"/>
-              <a:t>1/7/2025</a:t>
+              <a:t>1/12/2025</a:t>
             </a:fld>
             <a:endParaRPr lang="en-US" dirty="0"/>
           </a:p>
@@ -4463,7 +4464,7 @@
           <a:p>
             <a:fld id="{BFDFEE58-C5B8-4FC6-ADC2-03ECC3CEC583}" type="datetime1">
               <a:rPr lang="en-US" smtClean="0"/>
-              <a:t>1/7/2025</a:t>
+              <a:t>1/12/2025</a:t>
             </a:fld>
             <a:endParaRPr lang="en-US" dirty="0"/>
           </a:p>
@@ -4577,7 +4578,7 @@
           <a:p>
             <a:fld id="{C855349F-043F-4B95-86F5-1BEDA8B122DF}" type="datetime1">
               <a:rPr lang="en-US" smtClean="0"/>
-              <a:t>1/7/2025</a:t>
+              <a:t>1/12/2025</a:t>
             </a:fld>
             <a:endParaRPr lang="en-US" dirty="0"/>
           </a:p>
@@ -4668,7 +4669,7 @@
           <a:p>
             <a:fld id="{344A9BD4-EDC1-4E86-B84E-B7A27B7E505A}" type="datetime1">
               <a:rPr lang="en-US" smtClean="0"/>
-              <a:t>1/7/2025</a:t>
+              <a:t>1/12/2025</a:t>
             </a:fld>
             <a:endParaRPr lang="en-US" dirty="0"/>
           </a:p>
@@ -4919,7 +4920,7 @@
           <a:p>
             <a:fld id="{01BC72FB-A9FC-4CBD-BE6B-33CE89DB898B}" type="datetime1">
               <a:rPr lang="en-US" smtClean="0"/>
-              <a:t>1/7/2025</a:t>
+              <a:t>1/12/2025</a:t>
             </a:fld>
             <a:endParaRPr lang="en-US" dirty="0"/>
           </a:p>
@@ -5198,7 +5199,7 @@
           <a:p>
             <a:fld id="{0A878717-74FB-4FD5-89F6-920FBB6E8483}" type="datetime1">
               <a:rPr lang="en-US" smtClean="0"/>
-              <a:t>1/7/2025</a:t>
+              <a:t>1/12/2025</a:t>
             </a:fld>
             <a:endParaRPr lang="en-US" dirty="0"/>
           </a:p>
@@ -5600,7 +5601,7 @@
           <a:p>
             <a:fld id="{E6C4A9D1-8890-43F1-98AE-481AA22A5676}" type="datetime1">
               <a:rPr lang="en-US" smtClean="0"/>
-              <a:t>1/7/2025</a:t>
+              <a:t>1/12/2025</a:t>
             </a:fld>
             <a:endParaRPr lang="en-US" dirty="0"/>
           </a:p>
@@ -6293,7 +6294,7 @@
                   <a:schemeClr val="tx1"/>
                 </a:solidFill>
               </a:rPr>
-              <a:t>Date: 06. Jan. 2025</a:t>
+              <a:t>Date: 14. Jan. 2025</a:t>
             </a:r>
             <a:endParaRPr lang="de-CH" sz="2400" dirty="0">
               <a:solidFill>
@@ -6307,6 +6308,264 @@
     <p:extLst>
       <p:ext uri="{BB962C8B-B14F-4D97-AF65-F5344CB8AC3E}">
         <p14:creationId xmlns:p14="http://schemas.microsoft.com/office/powerpoint/2010/main" val="1821904497"/>
+      </p:ext>
+    </p:extLst>
+  </p:cSld>
+  <p:clrMapOvr>
+    <a:masterClrMapping/>
+  </p:clrMapOvr>
+</p:sld>
+</file>
+
+<file path=ppt/slides/slide10.xml><?xml version="1.0" encoding="utf-8"?>
+<p:sld xmlns:a="http://schemas.openxmlformats.org/drawingml/2006/main" xmlns:r="http://schemas.openxmlformats.org/officeDocument/2006/relationships" xmlns:p="http://schemas.openxmlformats.org/presentationml/2006/main">
+  <p:cSld>
+    <p:spTree>
+      <p:nvGrpSpPr>
+        <p:cNvPr id="1" name="">
+          <a:extLst>
+            <a:ext uri="{FF2B5EF4-FFF2-40B4-BE49-F238E27FC236}">
+              <a16:creationId xmlns:a16="http://schemas.microsoft.com/office/drawing/2014/main" id="{DE8768A7-1145-FBB4-9448-53CBA0C069AC}"/>
+            </a:ext>
+          </a:extLst>
+        </p:cNvPr>
+        <p:cNvGrpSpPr/>
+        <p:nvPr/>
+      </p:nvGrpSpPr>
+      <p:grpSpPr>
+        <a:xfrm>
+          <a:off x="0" y="0"/>
+          <a:ext cx="0" cy="0"/>
+          <a:chOff x="0" y="0"/>
+          <a:chExt cx="0" cy="0"/>
+        </a:xfrm>
+      </p:grpSpPr>
+      <p:sp>
+        <p:nvSpPr>
+          <p:cNvPr id="2" name="Title 1">
+            <a:extLst>
+              <a:ext uri="{FF2B5EF4-FFF2-40B4-BE49-F238E27FC236}">
+                <a16:creationId xmlns:a16="http://schemas.microsoft.com/office/drawing/2014/main" id="{BF625BF9-24CA-4AFF-58FF-0ED30749E955}"/>
+              </a:ext>
+            </a:extLst>
+          </p:cNvPr>
+          <p:cNvSpPr>
+            <a:spLocks noGrp="1"/>
+          </p:cNvSpPr>
+          <p:nvPr>
+            <p:ph type="ctrTitle"/>
+          </p:nvPr>
+        </p:nvSpPr>
+        <p:spPr>
+          <a:xfrm>
+            <a:off x="684211" y="295897"/>
+            <a:ext cx="10869702" cy="1245550"/>
+          </a:xfrm>
+        </p:spPr>
+        <p:txBody>
+          <a:bodyPr>
+            <a:normAutofit/>
+          </a:bodyPr>
+          <a:lstStyle/>
+          <a:p>
+            <a:r>
+              <a:rPr lang="en-GB" sz="3200" b="1" dirty="0"/>
+              <a:t>NLP for Smarter Dining</a:t>
+            </a:r>
+            <a:r>
+              <a:rPr lang="en-GB" sz="3200" dirty="0"/>
+              <a:t>: Turning Reviews into Tailored Recommendations</a:t>
+            </a:r>
+            <a:endParaRPr lang="de-CH" sz="3200" dirty="0"/>
+          </a:p>
+        </p:txBody>
+      </p:sp>
+      <p:sp>
+        <p:nvSpPr>
+          <p:cNvPr id="3" name="Subtitle 2">
+            <a:extLst>
+              <a:ext uri="{FF2B5EF4-FFF2-40B4-BE49-F238E27FC236}">
+                <a16:creationId xmlns:a16="http://schemas.microsoft.com/office/drawing/2014/main" id="{99BE352D-E669-81B7-2BF1-84575DDFAA23}"/>
+              </a:ext>
+            </a:extLst>
+          </p:cNvPr>
+          <p:cNvSpPr>
+            <a:spLocks noGrp="1"/>
+          </p:cNvSpPr>
+          <p:nvPr>
+            <p:ph type="subTitle" idx="1"/>
+          </p:nvPr>
+        </p:nvSpPr>
+        <p:spPr>
+          <a:xfrm>
+            <a:off x="822384" y="1541447"/>
+            <a:ext cx="10322943" cy="5394192"/>
+          </a:xfrm>
+        </p:spPr>
+        <p:txBody>
+          <a:bodyPr>
+            <a:noAutofit/>
+          </a:bodyPr>
+          <a:lstStyle/>
+          <a:p>
+            <a:pPr algn="ctr">
+              <a:lnSpc>
+                <a:spcPct val="115000"/>
+              </a:lnSpc>
+              <a:spcAft>
+                <a:spcPts val="800"/>
+              </a:spcAft>
+            </a:pPr>
+            <a:endParaRPr lang="en-GB" sz="2200" b="1" kern="100" dirty="0">
+              <a:solidFill>
+                <a:schemeClr val="tx1"/>
+              </a:solidFill>
+              <a:effectLst/>
+              <a:ea typeface="Aptos" panose="020B0004020202020204" pitchFamily="34" charset="0"/>
+              <a:cs typeface="Times New Roman" panose="02020603050405020304" pitchFamily="18" charset="0"/>
+            </a:endParaRPr>
+          </a:p>
+          <a:p>
+            <a:pPr algn="ctr">
+              <a:lnSpc>
+                <a:spcPct val="115000"/>
+              </a:lnSpc>
+              <a:spcAft>
+                <a:spcPts val="800"/>
+              </a:spcAft>
+            </a:pPr>
+            <a:endParaRPr lang="en-GB" sz="2200" b="1" kern="100" dirty="0">
+              <a:solidFill>
+                <a:schemeClr val="tx1"/>
+              </a:solidFill>
+              <a:ea typeface="Aptos" panose="020B0004020202020204" pitchFamily="34" charset="0"/>
+              <a:cs typeface="Times New Roman" panose="02020603050405020304" pitchFamily="18" charset="0"/>
+            </a:endParaRPr>
+          </a:p>
+          <a:p>
+            <a:pPr algn="ctr">
+              <a:lnSpc>
+                <a:spcPct val="115000"/>
+              </a:lnSpc>
+              <a:spcAft>
+                <a:spcPts val="800"/>
+              </a:spcAft>
+            </a:pPr>
+            <a:r>
+              <a:rPr lang="en-GB" sz="2200" b="1" kern="100" dirty="0">
+                <a:solidFill>
+                  <a:schemeClr val="tx1"/>
+                </a:solidFill>
+                <a:effectLst/>
+                <a:ea typeface="Aptos" panose="020B0004020202020204" pitchFamily="34" charset="0"/>
+                <a:cs typeface="Times New Roman" panose="02020603050405020304" pitchFamily="18" charset="0"/>
+              </a:rPr>
+              <a:t>Code can be </a:t>
+            </a:r>
+            <a:r>
+              <a:rPr lang="en-GB" sz="2200" b="1" kern="100" dirty="0">
+                <a:solidFill>
+                  <a:schemeClr val="tx1"/>
+                </a:solidFill>
+                <a:ea typeface="Aptos" panose="020B0004020202020204" pitchFamily="34" charset="0"/>
+                <a:cs typeface="Times New Roman" panose="02020603050405020304" pitchFamily="18" charset="0"/>
+              </a:rPr>
+              <a:t>f</a:t>
+            </a:r>
+            <a:r>
+              <a:rPr lang="en-GB" sz="2200" b="1" kern="100" dirty="0">
+                <a:solidFill>
+                  <a:schemeClr val="tx1"/>
+                </a:solidFill>
+                <a:effectLst/>
+                <a:ea typeface="Aptos" panose="020B0004020202020204" pitchFamily="34" charset="0"/>
+                <a:cs typeface="Times New Roman" panose="02020603050405020304" pitchFamily="18" charset="0"/>
+              </a:rPr>
+              <a:t>ound </a:t>
+            </a:r>
+            <a:r>
+              <a:rPr lang="en-GB" sz="2200" b="1" kern="100" dirty="0">
+                <a:solidFill>
+                  <a:schemeClr val="tx1"/>
+                </a:solidFill>
+                <a:ea typeface="Aptos" panose="020B0004020202020204" pitchFamily="34" charset="0"/>
+                <a:cs typeface="Times New Roman" panose="02020603050405020304" pitchFamily="18" charset="0"/>
+              </a:rPr>
+              <a:t>at:</a:t>
+            </a:r>
+          </a:p>
+          <a:p>
+            <a:pPr algn="ctr">
+              <a:lnSpc>
+                <a:spcPct val="115000"/>
+              </a:lnSpc>
+              <a:spcAft>
+                <a:spcPts val="800"/>
+              </a:spcAft>
+            </a:pPr>
+            <a:r>
+              <a:rPr lang="en-GB" sz="2200" b="1" kern="100" dirty="0">
+                <a:solidFill>
+                  <a:schemeClr val="tx1"/>
+                </a:solidFill>
+                <a:ea typeface="Aptos" panose="020B0004020202020204" pitchFamily="34" charset="0"/>
+                <a:cs typeface="Times New Roman" panose="02020603050405020304" pitchFamily="18" charset="0"/>
+              </a:rPr>
+              <a:t> </a:t>
+            </a:r>
+            <a:r>
+              <a:rPr lang="en-GB" sz="2200" kern="100" dirty="0">
+                <a:solidFill>
+                  <a:schemeClr val="tx1"/>
+                </a:solidFill>
+                <a:ea typeface="Aptos" panose="020B0004020202020204" pitchFamily="34" charset="0"/>
+                <a:cs typeface="Times New Roman" panose="02020603050405020304" pitchFamily="18" charset="0"/>
+              </a:rPr>
+              <a:t>https://github.com/sadhchanGitHub/data_science_projects/tree/main/cas_textanalytics_project_2</a:t>
+            </a:r>
+            <a:endParaRPr lang="en-GB" sz="2200" kern="100" dirty="0">
+              <a:solidFill>
+                <a:schemeClr val="tx1"/>
+              </a:solidFill>
+              <a:effectLst/>
+              <a:ea typeface="Aptos" panose="020B0004020202020204" pitchFamily="34" charset="0"/>
+              <a:cs typeface="Times New Roman" panose="02020603050405020304" pitchFamily="18" charset="0"/>
+            </a:endParaRPr>
+          </a:p>
+          <a:p>
+            <a:pPr algn="ctr">
+              <a:lnSpc>
+                <a:spcPct val="115000"/>
+              </a:lnSpc>
+              <a:spcAft>
+                <a:spcPts val="800"/>
+              </a:spcAft>
+            </a:pPr>
+            <a:r>
+              <a:rPr lang="en-GB" sz="4000" b="1" kern="100" dirty="0">
+                <a:solidFill>
+                  <a:schemeClr val="tx1"/>
+                </a:solidFill>
+                <a:effectLst/>
+                <a:latin typeface="+mj-lt"/>
+                <a:ea typeface="Aptos" panose="020B0004020202020204" pitchFamily="34" charset="0"/>
+                <a:cs typeface="Times New Roman" panose="02020603050405020304" pitchFamily="18" charset="0"/>
+              </a:rPr>
+              <a:t>THANK YOU</a:t>
+            </a:r>
+            <a:endParaRPr lang="en-GB" sz="4000" dirty="0">
+              <a:solidFill>
+                <a:schemeClr val="tx1"/>
+              </a:solidFill>
+              <a:latin typeface="+mj-lt"/>
+            </a:endParaRPr>
+          </a:p>
+        </p:txBody>
+      </p:sp>
+    </p:spTree>
+    <p:extLst>
+      <p:ext uri="{BB962C8B-B14F-4D97-AF65-F5344CB8AC3E}">
+        <p14:creationId xmlns:p14="http://schemas.microsoft.com/office/powerpoint/2010/main" val="2010583701"/>
       </p:ext>
     </p:extLst>
   </p:cSld>
@@ -8840,7 +9099,7 @@
               </a:spcAft>
             </a:pPr>
             <a:r>
-              <a:rPr lang="en-CH" sz="2600" b="1" kern="100" dirty="0">
+              <a:rPr lang="en-GB" sz="2000" b="1" kern="100" dirty="0">
                 <a:solidFill>
                   <a:schemeClr val="tx1"/>
                 </a:solidFill>
@@ -8848,29 +9107,17 @@
                 <a:ea typeface="Aptos" panose="020B0004020202020204" pitchFamily="34" charset="0"/>
                 <a:cs typeface="Times New Roman" panose="02020603050405020304" pitchFamily="18" charset="0"/>
               </a:rPr>
-              <a:t>Future Vision – Chatbot Lite using Hugging Face</a:t>
-            </a:r>
-            <a:endParaRPr lang="en-CH" sz="2600" kern="100" dirty="0">
-              <a:solidFill>
-                <a:schemeClr val="tx1"/>
-              </a:solidFill>
-              <a:effectLst/>
-              <a:ea typeface="Aptos" panose="020B0004020202020204" pitchFamily="34" charset="0"/>
-              <a:cs typeface="Times New Roman" panose="02020603050405020304" pitchFamily="18" charset="0"/>
-            </a:endParaRPr>
-          </a:p>
-          <a:p>
-            <a:pPr lvl="0">
+              <a:t>Chatbot Demonstration</a:t>
+            </a:r>
+          </a:p>
+          <a:p>
+            <a:pPr>
               <a:lnSpc>
                 <a:spcPct val="115000"/>
               </a:lnSpc>
               <a:spcAft>
                 <a:spcPts val="800"/>
               </a:spcAft>
-              <a:buSzPts val="1000"/>
-              <a:tabLst>
-                <a:tab pos="457200" algn="l"/>
-              </a:tabLst>
             </a:pPr>
             <a:endParaRPr lang="en-GB" sz="200" b="1" kern="100" dirty="0">
               <a:solidFill>
@@ -8882,20 +9129,16 @@
             </a:endParaRPr>
           </a:p>
           <a:p>
-            <a:pPr lvl="0">
+            <a:pPr>
               <a:lnSpc>
                 <a:spcPct val="115000"/>
               </a:lnSpc>
               <a:spcAft>
                 <a:spcPts val="800"/>
               </a:spcAft>
-              <a:buSzPts val="1000"/>
-              <a:tabLst>
-                <a:tab pos="457200" algn="l"/>
-              </a:tabLst>
             </a:pPr>
             <a:r>
-              <a:rPr lang="en-CH" sz="1600" b="1" kern="100" dirty="0">
+              <a:rPr lang="en-GB" sz="1800" b="1" kern="100" dirty="0">
                 <a:solidFill>
                   <a:schemeClr val="tx1"/>
                 </a:solidFill>
@@ -8903,35 +9146,20 @@
                 <a:ea typeface="Aptos" panose="020B0004020202020204" pitchFamily="34" charset="0"/>
                 <a:cs typeface="Times New Roman" panose="02020603050405020304" pitchFamily="18" charset="0"/>
               </a:rPr>
-              <a:t>Objective:</a:t>
-            </a:r>
-            <a:r>
-              <a:rPr lang="en-CH" sz="1600" kern="100" dirty="0">
-                <a:solidFill>
-                  <a:schemeClr val="tx1"/>
-                </a:solidFill>
-                <a:effectLst/>
-                <a:ea typeface="Aptos" panose="020B0004020202020204" pitchFamily="34" charset="0"/>
-                <a:cs typeface="Times New Roman" panose="02020603050405020304" pitchFamily="18" charset="0"/>
-              </a:rPr>
-              <a:t> Build a conversational chatbot to recommend restaurants based on user preferences.</a:t>
-            </a:r>
-          </a:p>
-          <a:p>
-            <a:pPr lvl="0">
+              <a:t>Highlights:</a:t>
+            </a:r>
+          </a:p>
+          <a:p>
+            <a:pPr>
               <a:lnSpc>
                 <a:spcPct val="115000"/>
               </a:lnSpc>
               <a:spcAft>
                 <a:spcPts val="800"/>
               </a:spcAft>
-              <a:buSzPts val="1000"/>
-              <a:tabLst>
-                <a:tab pos="457200" algn="l"/>
-              </a:tabLst>
             </a:pPr>
             <a:r>
-              <a:rPr lang="en-CH" sz="1600" b="1" kern="100" dirty="0">
+              <a:rPr lang="en-GB" sz="1500" b="1" kern="100" dirty="0">
                 <a:solidFill>
                   <a:schemeClr val="tx1"/>
                 </a:solidFill>
@@ -8939,35 +9167,22 @@
                 <a:ea typeface="Aptos" panose="020B0004020202020204" pitchFamily="34" charset="0"/>
                 <a:cs typeface="Times New Roman" panose="02020603050405020304" pitchFamily="18" charset="0"/>
               </a:rPr>
-              <a:t>Roadmap</a:t>
-            </a:r>
-            <a:r>
-              <a:rPr lang="en-GB" sz="1600" b="1" kern="100" dirty="0">
-                <a:solidFill>
-                  <a:schemeClr val="tx1"/>
-                </a:solidFill>
-                <a:effectLst/>
-                <a:ea typeface="Aptos" panose="020B0004020202020204" pitchFamily="34" charset="0"/>
-                <a:cs typeface="Times New Roman" panose="02020603050405020304" pitchFamily="18" charset="0"/>
-              </a:rPr>
-              <a:t>:</a:t>
-            </a:r>
-          </a:p>
-          <a:p>
-            <a:pPr lvl="0">
+              <a:t>Interface: </a:t>
+            </a:r>
+          </a:p>
+          <a:p>
+            <a:pPr marL="285750" indent="-285750">
               <a:lnSpc>
                 <a:spcPct val="115000"/>
               </a:lnSpc>
               <a:spcAft>
                 <a:spcPts val="800"/>
               </a:spcAft>
-              <a:buSzPts val="1000"/>
-              <a:tabLst>
-                <a:tab pos="457200" algn="l"/>
-              </a:tabLst>
+              <a:buFont typeface="Arial" panose="020B0604020202020204" pitchFamily="34" charset="0"/>
+              <a:buChar char="•"/>
             </a:pPr>
             <a:r>
-              <a:rPr lang="en-CH" sz="1600" b="1" kern="100" dirty="0">
+              <a:rPr lang="en-GB" sz="1500" kern="100" dirty="0">
                 <a:solidFill>
                   <a:schemeClr val="tx1"/>
                 </a:solidFill>
@@ -8975,10 +9190,31 @@
                 <a:ea typeface="Aptos" panose="020B0004020202020204" pitchFamily="34" charset="0"/>
                 <a:cs typeface="Times New Roman" panose="02020603050405020304" pitchFamily="18" charset="0"/>
               </a:rPr>
-              <a:t>Sentiment-based Suggestions:</a:t>
-            </a:r>
-            <a:r>
-              <a:rPr lang="en-GB" sz="1600" b="1" kern="100" dirty="0">
+              <a:t>Supports both CLI and GUI modes for user interaction.</a:t>
+            </a:r>
+          </a:p>
+          <a:p>
+            <a:pPr>
+              <a:lnSpc>
+                <a:spcPct val="115000"/>
+              </a:lnSpc>
+              <a:spcAft>
+                <a:spcPts val="800"/>
+              </a:spcAft>
+            </a:pPr>
+            <a:r>
+              <a:rPr lang="en-GB" sz="1500" b="1" kern="100" dirty="0">
+                <a:solidFill>
+                  <a:schemeClr val="tx1"/>
+                </a:solidFill>
+                <a:effectLst/>
+                <a:ea typeface="Aptos" panose="020B0004020202020204" pitchFamily="34" charset="0"/>
+                <a:cs typeface="Times New Roman" panose="02020603050405020304" pitchFamily="18" charset="0"/>
+              </a:rPr>
+              <a:t>Core Functionality:</a:t>
+            </a:r>
+            <a:r>
+              <a:rPr lang="en-GB" sz="1500" b="1" kern="100" dirty="0">
                 <a:solidFill>
                   <a:schemeClr val="tx1"/>
                 </a:solidFill>
@@ -8987,8 +9223,20 @@
               </a:rPr>
               <a:t> </a:t>
             </a:r>
-            <a:r>
-              <a:rPr lang="en-CH" sz="1600" kern="100" dirty="0">
+          </a:p>
+          <a:p>
+            <a:pPr marL="285750" indent="-285750">
+              <a:lnSpc>
+                <a:spcPct val="115000"/>
+              </a:lnSpc>
+              <a:spcAft>
+                <a:spcPts val="800"/>
+              </a:spcAft>
+              <a:buFont typeface="Arial" panose="020B0604020202020204" pitchFamily="34" charset="0"/>
+              <a:buChar char="•"/>
+            </a:pPr>
+            <a:r>
+              <a:rPr lang="en-GB" sz="1500" kern="100" dirty="0">
                 <a:solidFill>
                   <a:schemeClr val="tx1"/>
                 </a:solidFill>
@@ -8996,9 +9244,72 @@
                 <a:ea typeface="Aptos" panose="020B0004020202020204" pitchFamily="34" charset="0"/>
                 <a:cs typeface="Times New Roman" panose="02020603050405020304" pitchFamily="18" charset="0"/>
               </a:rPr>
-              <a:t>Use existing sentiment scores to rank and recommend.</a:t>
-            </a:r>
-            <a:endParaRPr lang="en-GB" sz="1600" kern="100" dirty="0">
+              <a:t>Detects cuisines from user input (e.g., "Italian food").</a:t>
+            </a:r>
+            <a:endParaRPr lang="en-GB" sz="1500" kern="100" dirty="0">
+              <a:solidFill>
+                <a:schemeClr val="tx1"/>
+              </a:solidFill>
+              <a:ea typeface="Aptos" panose="020B0004020202020204" pitchFamily="34" charset="0"/>
+              <a:cs typeface="Times New Roman" panose="02020603050405020304" pitchFamily="18" charset="0"/>
+            </a:endParaRPr>
+          </a:p>
+          <a:p>
+            <a:pPr marL="285750" indent="-285750">
+              <a:lnSpc>
+                <a:spcPct val="115000"/>
+              </a:lnSpc>
+              <a:spcAft>
+                <a:spcPts val="800"/>
+              </a:spcAft>
+              <a:buFont typeface="Arial" panose="020B0604020202020204" pitchFamily="34" charset="0"/>
+              <a:buChar char="•"/>
+            </a:pPr>
+            <a:r>
+              <a:rPr lang="en-GB" sz="1500" kern="100" dirty="0">
+                <a:solidFill>
+                  <a:schemeClr val="tx1"/>
+                </a:solidFill>
+                <a:effectLst/>
+                <a:ea typeface="Aptos" panose="020B0004020202020204" pitchFamily="34" charset="0"/>
+                <a:cs typeface="Times New Roman" panose="02020603050405020304" pitchFamily="18" charset="0"/>
+              </a:rPr>
+              <a:t>Recommends restaurants based on keyword or cuisine matches.</a:t>
+            </a:r>
+          </a:p>
+          <a:p>
+            <a:pPr marL="285750" indent="-285750">
+              <a:lnSpc>
+                <a:spcPct val="115000"/>
+              </a:lnSpc>
+              <a:spcAft>
+                <a:spcPts val="800"/>
+              </a:spcAft>
+              <a:buFont typeface="Arial" panose="020B0604020202020204" pitchFamily="34" charset="0"/>
+              <a:buChar char="•"/>
+            </a:pPr>
+            <a:r>
+              <a:rPr lang="en-GB" sz="1500" kern="100" dirty="0">
+                <a:solidFill>
+                  <a:schemeClr val="tx1"/>
+                </a:solidFill>
+                <a:effectLst/>
+                <a:ea typeface="Aptos" panose="020B0004020202020204" pitchFamily="34" charset="0"/>
+                <a:cs typeface="Times New Roman" panose="02020603050405020304" pitchFamily="18" charset="0"/>
+              </a:rPr>
+              <a:t>Fallback mechanism provides top-rated restaurants when no direct matches are found.</a:t>
+            </a:r>
+          </a:p>
+          <a:p>
+            <a:pPr>
+              <a:lnSpc>
+                <a:spcPct val="115000"/>
+              </a:lnSpc>
+              <a:spcAft>
+                <a:spcPts val="800"/>
+              </a:spcAft>
+            </a:pPr>
+            <a:endParaRPr lang="en-GB" sz="200" kern="100" dirty="0">
               <a:solidFill>
                 <a:schemeClr val="tx1"/>
               </a:solidFill>
@@ -9008,20 +9319,16 @@
             </a:endParaRPr>
           </a:p>
           <a:p>
-            <a:pPr lvl="0">
+            <a:pPr>
               <a:lnSpc>
                 <a:spcPct val="115000"/>
               </a:lnSpc>
               <a:spcAft>
                 <a:spcPts val="800"/>
               </a:spcAft>
-              <a:buSzPts val="1000"/>
-              <a:tabLst>
-                <a:tab pos="457200" algn="l"/>
-              </a:tabLst>
             </a:pPr>
             <a:r>
-              <a:rPr lang="en-CH" sz="1600" b="1" kern="100" dirty="0">
+              <a:rPr lang="en-GB" sz="1500" b="1" kern="100" dirty="0">
                 <a:solidFill>
                   <a:schemeClr val="tx1"/>
                 </a:solidFill>
@@ -9029,31 +9336,22 @@
                 <a:ea typeface="Aptos" panose="020B0004020202020204" pitchFamily="34" charset="0"/>
                 <a:cs typeface="Times New Roman" panose="02020603050405020304" pitchFamily="18" charset="0"/>
               </a:rPr>
-              <a:t>NER Integration:</a:t>
-            </a:r>
-            <a:endParaRPr lang="en-GB" sz="1600" b="1" kern="100" dirty="0">
-              <a:solidFill>
-                <a:schemeClr val="tx1"/>
-              </a:solidFill>
-              <a:ea typeface="Aptos" panose="020B0004020202020204" pitchFamily="34" charset="0"/>
-              <a:cs typeface="Times New Roman" panose="02020603050405020304" pitchFamily="18" charset="0"/>
-            </a:endParaRPr>
-          </a:p>
-          <a:p>
-            <a:pPr lvl="0">
+              <a:t>Debugging Mechanism:</a:t>
+            </a:r>
+          </a:p>
+          <a:p>
+            <a:pPr marL="285750" indent="-285750">
               <a:lnSpc>
                 <a:spcPct val="115000"/>
               </a:lnSpc>
               <a:spcAft>
                 <a:spcPts val="800"/>
               </a:spcAft>
-              <a:buSzPts val="1000"/>
-              <a:tabLst>
-                <a:tab pos="457200" algn="l"/>
-              </a:tabLst>
+              <a:buFont typeface="Arial" panose="020B0604020202020204" pitchFamily="34" charset="0"/>
+              <a:buChar char="•"/>
             </a:pPr>
             <a:r>
-              <a:rPr lang="en-CH" sz="1600" kern="100" dirty="0">
+              <a:rPr lang="en-GB" sz="1500" kern="100" dirty="0">
                 <a:solidFill>
                   <a:schemeClr val="tx1"/>
                 </a:solidFill>
@@ -9061,32 +9359,22 @@
                 <a:ea typeface="Aptos" panose="020B0004020202020204" pitchFamily="34" charset="0"/>
                 <a:cs typeface="Times New Roman" panose="02020603050405020304" pitchFamily="18" charset="0"/>
               </a:rPr>
-              <a:t>Extract key entities (cuisine, location) for personalized recommendations.</a:t>
-            </a:r>
-            <a:endParaRPr lang="en-GB" sz="1600" kern="100" dirty="0">
-              <a:solidFill>
-                <a:schemeClr val="tx1"/>
-              </a:solidFill>
-              <a:effectLst/>
-              <a:ea typeface="Aptos" panose="020B0004020202020204" pitchFamily="34" charset="0"/>
-              <a:cs typeface="Times New Roman" panose="02020603050405020304" pitchFamily="18" charset="0"/>
-            </a:endParaRPr>
-          </a:p>
-          <a:p>
-            <a:pPr lvl="0">
+              <a:t>Ensures cuisine-specific or keyword-based matches are accurate.</a:t>
+            </a:r>
+          </a:p>
+          <a:p>
+            <a:pPr marL="285750" indent="-285750">
               <a:lnSpc>
                 <a:spcPct val="115000"/>
               </a:lnSpc>
               <a:spcAft>
                 <a:spcPts val="800"/>
               </a:spcAft>
-              <a:buSzPts val="1000"/>
-              <a:tabLst>
-                <a:tab pos="457200" algn="l"/>
-              </a:tabLst>
+              <a:buFont typeface="Arial" panose="020B0604020202020204" pitchFamily="34" charset="0"/>
+              <a:buChar char="•"/>
             </a:pPr>
             <a:r>
-              <a:rPr lang="en-CH" sz="1600" b="1" kern="100" dirty="0">
+              <a:rPr lang="en-GB" sz="1500" kern="100" dirty="0">
                 <a:solidFill>
                   <a:schemeClr val="tx1"/>
                 </a:solidFill>
@@ -9094,31 +9382,10 @@
                 <a:ea typeface="Aptos" panose="020B0004020202020204" pitchFamily="34" charset="0"/>
                 <a:cs typeface="Times New Roman" panose="02020603050405020304" pitchFamily="18" charset="0"/>
               </a:rPr>
-              <a:t>Transformers for Conversation:</a:t>
-            </a:r>
-            <a:endParaRPr lang="en-GB" sz="1600" b="1" kern="100" dirty="0">
-              <a:solidFill>
-                <a:schemeClr val="tx1"/>
-              </a:solidFill>
-              <a:ea typeface="Aptos" panose="020B0004020202020204" pitchFamily="34" charset="0"/>
-              <a:cs typeface="Times New Roman" panose="02020603050405020304" pitchFamily="18" charset="0"/>
-            </a:endParaRPr>
-          </a:p>
-          <a:p>
-            <a:pPr lvl="0">
-              <a:lnSpc>
-                <a:spcPct val="115000"/>
-              </a:lnSpc>
-              <a:spcAft>
-                <a:spcPts val="800"/>
-              </a:spcAft>
-              <a:buSzPts val="1000"/>
-              <a:tabLst>
-                <a:tab pos="457200" algn="l"/>
-              </a:tabLst>
-            </a:pPr>
-            <a:r>
-              <a:rPr lang="en-CH" sz="1600" kern="100" dirty="0">
+              <a:t>Review snippets can be displayed to validate recommendations</a:t>
+            </a:r>
+            <a:r>
+              <a:rPr lang="en-GB" sz="1500" b="1" kern="100" dirty="0">
                 <a:solidFill>
                   <a:schemeClr val="tx1"/>
                 </a:solidFill>
@@ -9126,156 +9393,9 @@
                 <a:ea typeface="Aptos" panose="020B0004020202020204" pitchFamily="34" charset="0"/>
                 <a:cs typeface="Times New Roman" panose="02020603050405020304" pitchFamily="18" charset="0"/>
               </a:rPr>
-              <a:t>Fine-tune Hugging Face models (e.g., GPT-2, </a:t>
-            </a:r>
-            <a:r>
-              <a:rPr lang="en-CH" sz="1600" kern="100" dirty="0" err="1">
-                <a:solidFill>
-                  <a:schemeClr val="tx1"/>
-                </a:solidFill>
-                <a:effectLst/>
-                <a:ea typeface="Aptos" panose="020B0004020202020204" pitchFamily="34" charset="0"/>
-                <a:cs typeface="Times New Roman" panose="02020603050405020304" pitchFamily="18" charset="0"/>
-              </a:rPr>
-              <a:t>DialoGPT</a:t>
-            </a:r>
-            <a:r>
-              <a:rPr lang="en-CH" sz="1600" kern="100" dirty="0">
-                <a:solidFill>
-                  <a:schemeClr val="tx1"/>
-                </a:solidFill>
-                <a:effectLst/>
-                <a:ea typeface="Aptos" panose="020B0004020202020204" pitchFamily="34" charset="0"/>
-                <a:cs typeface="Times New Roman" panose="02020603050405020304" pitchFamily="18" charset="0"/>
-              </a:rPr>
-              <a:t>) for natural language understanding.</a:t>
-            </a:r>
-            <a:endParaRPr lang="en-GB" sz="1600" kern="100" dirty="0">
-              <a:solidFill>
-                <a:schemeClr val="tx1"/>
-              </a:solidFill>
-              <a:effectLst/>
-              <a:ea typeface="Aptos" panose="020B0004020202020204" pitchFamily="34" charset="0"/>
-              <a:cs typeface="Times New Roman" panose="02020603050405020304" pitchFamily="18" charset="0"/>
-            </a:endParaRPr>
-          </a:p>
-          <a:p>
-            <a:pPr lvl="0">
-              <a:lnSpc>
-                <a:spcPct val="115000"/>
-              </a:lnSpc>
-              <a:spcAft>
-                <a:spcPts val="800"/>
-              </a:spcAft>
-              <a:buSzPts val="1000"/>
-              <a:tabLst>
-                <a:tab pos="457200" algn="l"/>
-              </a:tabLst>
-            </a:pPr>
-            <a:r>
-              <a:rPr lang="en-CH" sz="1600" b="1" kern="100" dirty="0">
-                <a:solidFill>
-                  <a:schemeClr val="tx1"/>
-                </a:solidFill>
-                <a:effectLst/>
-                <a:ea typeface="Aptos" panose="020B0004020202020204" pitchFamily="34" charset="0"/>
-                <a:cs typeface="Times New Roman" panose="02020603050405020304" pitchFamily="18" charset="0"/>
-              </a:rPr>
-              <a:t>Deployment:</a:t>
-            </a:r>
-            <a:endParaRPr lang="en-GB" sz="1600" b="1" kern="100" dirty="0">
-              <a:solidFill>
-                <a:schemeClr val="tx1"/>
-              </a:solidFill>
-              <a:ea typeface="Aptos" panose="020B0004020202020204" pitchFamily="34" charset="0"/>
-              <a:cs typeface="Times New Roman" panose="02020603050405020304" pitchFamily="18" charset="0"/>
-            </a:endParaRPr>
-          </a:p>
-          <a:p>
-            <a:pPr lvl="0">
-              <a:lnSpc>
-                <a:spcPct val="115000"/>
-              </a:lnSpc>
-              <a:spcAft>
-                <a:spcPts val="800"/>
-              </a:spcAft>
-              <a:buSzPts val="1000"/>
-              <a:tabLst>
-                <a:tab pos="457200" algn="l"/>
-              </a:tabLst>
-            </a:pPr>
-            <a:r>
-              <a:rPr lang="en-CH" sz="1600" kern="100" dirty="0">
-                <a:solidFill>
-                  <a:schemeClr val="tx1"/>
-                </a:solidFill>
-                <a:effectLst/>
-                <a:ea typeface="Aptos" panose="020B0004020202020204" pitchFamily="34" charset="0"/>
-                <a:cs typeface="Times New Roman" panose="02020603050405020304" pitchFamily="18" charset="0"/>
-              </a:rPr>
-              <a:t>Deploy as a lightweight web or mobile application for tourists.</a:t>
-            </a:r>
-          </a:p>
-          <a:p>
-            <a:pPr lvl="0">
-              <a:lnSpc>
-                <a:spcPct val="115000"/>
-              </a:lnSpc>
-              <a:spcAft>
-                <a:spcPts val="800"/>
-              </a:spcAft>
-              <a:buSzPts val="1000"/>
-              <a:tabLst>
-                <a:tab pos="457200" algn="l"/>
-              </a:tabLst>
-            </a:pPr>
-            <a:r>
-              <a:rPr lang="en-CH" sz="1600" b="1" kern="100" dirty="0">
-                <a:solidFill>
-                  <a:schemeClr val="tx1"/>
-                </a:solidFill>
-                <a:effectLst/>
-                <a:ea typeface="Aptos" panose="020B0004020202020204" pitchFamily="34" charset="0"/>
-                <a:cs typeface="Times New Roman" panose="02020603050405020304" pitchFamily="18" charset="0"/>
-              </a:rPr>
-              <a:t>Long-term Goals:</a:t>
-            </a:r>
-            <a:r>
-              <a:rPr lang="en-CH" sz="1600" kern="100" dirty="0">
-                <a:solidFill>
-                  <a:schemeClr val="tx1"/>
-                </a:solidFill>
-                <a:effectLst/>
-                <a:ea typeface="Aptos" panose="020B0004020202020204" pitchFamily="34" charset="0"/>
-                <a:cs typeface="Times New Roman" panose="02020603050405020304" pitchFamily="18" charset="0"/>
-              </a:rPr>
-              <a:t> Develop a fully interactive AI-powered tourist guide.</a:t>
-            </a:r>
-          </a:p>
-          <a:p>
-            <a:pPr lvl="0">
-              <a:lnSpc>
-                <a:spcPct val="115000"/>
-              </a:lnSpc>
-              <a:spcAft>
-                <a:spcPts val="800"/>
-              </a:spcAft>
-              <a:buSzPts val="1000"/>
-              <a:tabLst>
-                <a:tab pos="457200" algn="l"/>
-              </a:tabLst>
-            </a:pPr>
-            <a:endParaRPr lang="en-CH" sz="1600" kern="100" dirty="0">
-              <a:solidFill>
-                <a:schemeClr val="tx1"/>
-              </a:solidFill>
-              <a:effectLst/>
-              <a:ea typeface="Aptos" panose="020B0004020202020204" pitchFamily="34" charset="0"/>
-              <a:cs typeface="Times New Roman" panose="02020603050405020304" pitchFamily="18" charset="0"/>
-            </a:endParaRPr>
-          </a:p>
-          <a:p>
-            <a:endParaRPr lang="en-GB" sz="1600" dirty="0">
+              <a:t>.</a:t>
+            </a:r>
+            <a:endParaRPr lang="en-GB" sz="1500" dirty="0">
               <a:solidFill>
                 <a:schemeClr val="tx1"/>
               </a:solidFill>
@@ -9377,8 +9497,8 @@
         </p:nvSpPr>
         <p:spPr>
           <a:xfrm>
-            <a:off x="684211" y="1683521"/>
-            <a:ext cx="10108975" cy="4662850"/>
+            <a:off x="822384" y="1541447"/>
+            <a:ext cx="10322943" cy="5394192"/>
           </a:xfrm>
         </p:spPr>
         <p:txBody>
@@ -9396,7 +9516,7 @@
               </a:spcAft>
             </a:pPr>
             <a:r>
-              <a:rPr lang="en-GB" sz="1800" b="1" kern="100" dirty="0">
+              <a:rPr lang="en-GB" sz="2200" b="1" kern="100" dirty="0">
                 <a:solidFill>
                   <a:schemeClr val="tx1"/>
                 </a:solidFill>
@@ -9404,20 +9524,19 @@
                 <a:ea typeface="Aptos" panose="020B0004020202020204" pitchFamily="34" charset="0"/>
                 <a:cs typeface="Times New Roman" panose="02020603050405020304" pitchFamily="18" charset="0"/>
               </a:rPr>
-              <a:t>For further additions on results and </a:t>
-            </a:r>
-            <a:r>
-              <a:rPr lang="en-GB" sz="1800" b="1" kern="100">
-                <a:solidFill>
-                  <a:schemeClr val="tx1"/>
-                </a:solidFill>
-                <a:effectLst/>
-                <a:ea typeface="Aptos" panose="020B0004020202020204" pitchFamily="34" charset="0"/>
-                <a:cs typeface="Times New Roman" panose="02020603050405020304" pitchFamily="18" charset="0"/>
-              </a:rPr>
-              <a:t>plots etc..</a:t>
-            </a:r>
-            <a:endParaRPr lang="en-CH" sz="1800" kern="100" dirty="0">
+              <a:t>Future Extensions</a:t>
+            </a:r>
+          </a:p>
+          <a:p>
+            <a:pPr>
+              <a:lnSpc>
+                <a:spcPct val="115000"/>
+              </a:lnSpc>
+              <a:spcAft>
+                <a:spcPts val="800"/>
+              </a:spcAft>
+            </a:pPr>
+            <a:endParaRPr lang="en-GB" sz="200" b="1" kern="100" dirty="0">
               <a:solidFill>
                 <a:schemeClr val="tx1"/>
               </a:solidFill>
@@ -9427,19 +9546,36 @@
             </a:endParaRPr>
           </a:p>
           <a:p>
-            <a:pPr lvl="0">
+            <a:pPr>
               <a:lnSpc>
                 <a:spcPct val="115000"/>
               </a:lnSpc>
               <a:spcAft>
                 <a:spcPts val="800"/>
               </a:spcAft>
-              <a:buSzPts val="1000"/>
-              <a:tabLst>
-                <a:tab pos="457200" algn="l"/>
-              </a:tabLst>
             </a:pPr>
-            <a:endParaRPr lang="en-CH" sz="1800" kern="100" dirty="0">
+            <a:r>
+              <a:rPr lang="en-GB" sz="1800" b="1" kern="100" dirty="0">
+                <a:solidFill>
+                  <a:schemeClr val="tx1"/>
+                </a:solidFill>
+                <a:effectLst/>
+                <a:ea typeface="Aptos" panose="020B0004020202020204" pitchFamily="34" charset="0"/>
+                <a:cs typeface="Times New Roman" panose="02020603050405020304" pitchFamily="18" charset="0"/>
+              </a:rPr>
+              <a:t>Potential Enhancements:</a:t>
+            </a:r>
+          </a:p>
+          <a:p>
+            <a:pPr>
+              <a:lnSpc>
+                <a:spcPct val="115000"/>
+              </a:lnSpc>
+              <a:spcAft>
+                <a:spcPts val="800"/>
+              </a:spcAft>
+            </a:pPr>
+            <a:endParaRPr lang="en-GB" sz="200" b="1" kern="100" dirty="0">
               <a:solidFill>
                 <a:schemeClr val="tx1"/>
               </a:solidFill>
@@ -9449,7 +9585,277 @@
             </a:endParaRPr>
           </a:p>
           <a:p>
-            <a:endParaRPr lang="en-GB" sz="1800" dirty="0">
+            <a:pPr marL="285750" indent="-285750">
+              <a:lnSpc>
+                <a:spcPct val="115000"/>
+              </a:lnSpc>
+              <a:spcAft>
+                <a:spcPts val="800"/>
+              </a:spcAft>
+              <a:buFont typeface="Arial" panose="020B0604020202020204" pitchFamily="34" charset="0"/>
+              <a:buChar char="•"/>
+            </a:pPr>
+            <a:r>
+              <a:rPr lang="en-GB" sz="1600" b="1" kern="100" dirty="0">
+                <a:solidFill>
+                  <a:schemeClr val="tx1"/>
+                </a:solidFill>
+                <a:effectLst/>
+                <a:ea typeface="Aptos" panose="020B0004020202020204" pitchFamily="34" charset="0"/>
+                <a:cs typeface="Times New Roman" panose="02020603050405020304" pitchFamily="18" charset="0"/>
+              </a:rPr>
+              <a:t>Advanced Model Training</a:t>
+            </a:r>
+            <a:r>
+              <a:rPr lang="en-GB" sz="1600" kern="100" dirty="0">
+                <a:solidFill>
+                  <a:schemeClr val="tx1"/>
+                </a:solidFill>
+                <a:effectLst/>
+                <a:ea typeface="Aptos" panose="020B0004020202020204" pitchFamily="34" charset="0"/>
+                <a:cs typeface="Times New Roman" panose="02020603050405020304" pitchFamily="18" charset="0"/>
+              </a:rPr>
+              <a:t>: - Leverage transformer-based models like BERT or </a:t>
+            </a:r>
+            <a:r>
+              <a:rPr lang="en-GB" sz="1600" kern="100" dirty="0" err="1">
+                <a:solidFill>
+                  <a:schemeClr val="tx1"/>
+                </a:solidFill>
+                <a:effectLst/>
+                <a:ea typeface="Aptos" panose="020B0004020202020204" pitchFamily="34" charset="0"/>
+                <a:cs typeface="Times New Roman" panose="02020603050405020304" pitchFamily="18" charset="0"/>
+              </a:rPr>
+              <a:t>DistilBERT</a:t>
+            </a:r>
+            <a:r>
+              <a:rPr lang="en-GB" sz="1600" kern="100" dirty="0">
+                <a:solidFill>
+                  <a:schemeClr val="tx1"/>
+                </a:solidFill>
+                <a:effectLst/>
+                <a:ea typeface="Aptos" panose="020B0004020202020204" pitchFamily="34" charset="0"/>
+                <a:cs typeface="Times New Roman" panose="02020603050405020304" pitchFamily="18" charset="0"/>
+              </a:rPr>
+              <a:t> for improved sentiment analysis and contextual understanding.</a:t>
+            </a:r>
+          </a:p>
+          <a:p>
+            <a:pPr marL="285750" indent="-285750">
+              <a:lnSpc>
+                <a:spcPct val="115000"/>
+              </a:lnSpc>
+              <a:spcAft>
+                <a:spcPts val="800"/>
+              </a:spcAft>
+              <a:buFont typeface="Arial" panose="020B0604020202020204" pitchFamily="34" charset="0"/>
+              <a:buChar char="•"/>
+            </a:pPr>
+            <a:endParaRPr lang="en-GB" sz="200" kern="100" dirty="0">
+              <a:solidFill>
+                <a:schemeClr val="tx1"/>
+              </a:solidFill>
+              <a:effectLst/>
+              <a:ea typeface="Aptos" panose="020B0004020202020204" pitchFamily="34" charset="0"/>
+              <a:cs typeface="Times New Roman" panose="02020603050405020304" pitchFamily="18" charset="0"/>
+            </a:endParaRPr>
+          </a:p>
+          <a:p>
+            <a:pPr marL="285750" indent="-285750">
+              <a:lnSpc>
+                <a:spcPct val="115000"/>
+              </a:lnSpc>
+              <a:spcAft>
+                <a:spcPts val="800"/>
+              </a:spcAft>
+              <a:buFont typeface="Arial" panose="020B0604020202020204" pitchFamily="34" charset="0"/>
+              <a:buChar char="•"/>
+            </a:pPr>
+            <a:r>
+              <a:rPr lang="en-GB" sz="1600" b="1" kern="100" dirty="0">
+                <a:solidFill>
+                  <a:schemeClr val="tx1"/>
+                </a:solidFill>
+                <a:effectLst/>
+                <a:ea typeface="Aptos" panose="020B0004020202020204" pitchFamily="34" charset="0"/>
+                <a:cs typeface="Times New Roman" panose="02020603050405020304" pitchFamily="18" charset="0"/>
+              </a:rPr>
+              <a:t>Support Multi-Turn Conversations</a:t>
+            </a:r>
+            <a:r>
+              <a:rPr lang="en-GB" sz="1600" kern="100" dirty="0">
+                <a:solidFill>
+                  <a:schemeClr val="tx1"/>
+                </a:solidFill>
+                <a:effectLst/>
+                <a:ea typeface="Aptos" panose="020B0004020202020204" pitchFamily="34" charset="0"/>
+                <a:cs typeface="Times New Roman" panose="02020603050405020304" pitchFamily="18" charset="0"/>
+              </a:rPr>
+              <a:t>: - Enable the chatbot to maintain context across multiple user interactions, improving its conversational depth.</a:t>
+            </a:r>
+          </a:p>
+          <a:p>
+            <a:pPr marL="285750" indent="-285750">
+              <a:lnSpc>
+                <a:spcPct val="115000"/>
+              </a:lnSpc>
+              <a:spcAft>
+                <a:spcPts val="800"/>
+              </a:spcAft>
+              <a:buFont typeface="Arial" panose="020B0604020202020204" pitchFamily="34" charset="0"/>
+              <a:buChar char="•"/>
+            </a:pPr>
+            <a:endParaRPr lang="en-GB" sz="200" kern="100" dirty="0">
+              <a:solidFill>
+                <a:schemeClr val="tx1"/>
+              </a:solidFill>
+              <a:effectLst/>
+              <a:ea typeface="Aptos" panose="020B0004020202020204" pitchFamily="34" charset="0"/>
+              <a:cs typeface="Times New Roman" panose="02020603050405020304" pitchFamily="18" charset="0"/>
+            </a:endParaRPr>
+          </a:p>
+          <a:p>
+            <a:pPr marL="285750" indent="-285750">
+              <a:lnSpc>
+                <a:spcPct val="115000"/>
+              </a:lnSpc>
+              <a:spcAft>
+                <a:spcPts val="800"/>
+              </a:spcAft>
+              <a:buFont typeface="Arial" panose="020B0604020202020204" pitchFamily="34" charset="0"/>
+              <a:buChar char="•"/>
+            </a:pPr>
+            <a:r>
+              <a:rPr lang="en-GB" sz="1600" b="1" kern="100" dirty="0">
+                <a:solidFill>
+                  <a:schemeClr val="tx1"/>
+                </a:solidFill>
+                <a:effectLst/>
+                <a:ea typeface="Aptos" panose="020B0004020202020204" pitchFamily="34" charset="0"/>
+                <a:cs typeface="Times New Roman" panose="02020603050405020304" pitchFamily="18" charset="0"/>
+              </a:rPr>
+              <a:t>Include Review Snippets: </a:t>
+            </a:r>
+            <a:r>
+              <a:rPr lang="en-GB" sz="1600" kern="100" dirty="0">
+                <a:solidFill>
+                  <a:schemeClr val="tx1"/>
+                </a:solidFill>
+                <a:effectLst/>
+                <a:ea typeface="Aptos" panose="020B0004020202020204" pitchFamily="34" charset="0"/>
+                <a:cs typeface="Times New Roman" panose="02020603050405020304" pitchFamily="18" charset="0"/>
+              </a:rPr>
+              <a:t>- Provide relevant review excerpts alongside recommendations to enhance transparency and user trust.</a:t>
+            </a:r>
+          </a:p>
+          <a:p>
+            <a:pPr marL="285750" indent="-285750">
+              <a:lnSpc>
+                <a:spcPct val="115000"/>
+              </a:lnSpc>
+              <a:spcAft>
+                <a:spcPts val="800"/>
+              </a:spcAft>
+              <a:buFont typeface="Arial" panose="020B0604020202020204" pitchFamily="34" charset="0"/>
+              <a:buChar char="•"/>
+            </a:pPr>
+            <a:endParaRPr lang="en-GB" sz="200" kern="100" dirty="0">
+              <a:solidFill>
+                <a:schemeClr val="tx1"/>
+              </a:solidFill>
+              <a:effectLst/>
+              <a:ea typeface="Aptos" panose="020B0004020202020204" pitchFamily="34" charset="0"/>
+              <a:cs typeface="Times New Roman" panose="02020603050405020304" pitchFamily="18" charset="0"/>
+            </a:endParaRPr>
+          </a:p>
+          <a:p>
+            <a:pPr marL="285750" indent="-285750">
+              <a:lnSpc>
+                <a:spcPct val="115000"/>
+              </a:lnSpc>
+              <a:spcAft>
+                <a:spcPts val="800"/>
+              </a:spcAft>
+              <a:buFont typeface="Arial" panose="020B0604020202020204" pitchFamily="34" charset="0"/>
+              <a:buChar char="•"/>
+            </a:pPr>
+            <a:r>
+              <a:rPr lang="en-GB" sz="1600" b="1" kern="100" dirty="0">
+                <a:solidFill>
+                  <a:schemeClr val="tx1"/>
+                </a:solidFill>
+                <a:effectLst/>
+                <a:ea typeface="Aptos" panose="020B0004020202020204" pitchFamily="34" charset="0"/>
+                <a:cs typeface="Times New Roman" panose="02020603050405020304" pitchFamily="18" charset="0"/>
+              </a:rPr>
+              <a:t>Price Range Filtering</a:t>
+            </a:r>
+            <a:r>
+              <a:rPr lang="en-GB" sz="1600" kern="100" dirty="0">
+                <a:solidFill>
+                  <a:schemeClr val="tx1"/>
+                </a:solidFill>
+                <a:effectLst/>
+                <a:ea typeface="Aptos" panose="020B0004020202020204" pitchFamily="34" charset="0"/>
+                <a:cs typeface="Times New Roman" panose="02020603050405020304" pitchFamily="18" charset="0"/>
+              </a:rPr>
+              <a:t>: - Integrate price-related data for more refined filtering, helping users select restaurants within their budget.</a:t>
+            </a:r>
+          </a:p>
+          <a:p>
+            <a:pPr marL="285750" indent="-285750">
+              <a:lnSpc>
+                <a:spcPct val="115000"/>
+              </a:lnSpc>
+              <a:spcAft>
+                <a:spcPts val="800"/>
+              </a:spcAft>
+              <a:buFont typeface="Arial" panose="020B0604020202020204" pitchFamily="34" charset="0"/>
+              <a:buChar char="•"/>
+            </a:pPr>
+            <a:endParaRPr lang="en-GB" sz="200" kern="100" dirty="0">
+              <a:solidFill>
+                <a:schemeClr val="tx1"/>
+              </a:solidFill>
+              <a:effectLst/>
+              <a:ea typeface="Aptos" panose="020B0004020202020204" pitchFamily="34" charset="0"/>
+              <a:cs typeface="Times New Roman" panose="02020603050405020304" pitchFamily="18" charset="0"/>
+            </a:endParaRPr>
+          </a:p>
+          <a:p>
+            <a:pPr marL="285750" indent="-285750">
+              <a:lnSpc>
+                <a:spcPct val="115000"/>
+              </a:lnSpc>
+              <a:spcAft>
+                <a:spcPts val="800"/>
+              </a:spcAft>
+              <a:buFont typeface="Arial" panose="020B0604020202020204" pitchFamily="34" charset="0"/>
+              <a:buChar char="•"/>
+            </a:pPr>
+            <a:r>
+              <a:rPr lang="en-GB" sz="1600" b="1" kern="100" dirty="0">
+                <a:solidFill>
+                  <a:schemeClr val="tx1"/>
+                </a:solidFill>
+                <a:effectLst/>
+                <a:ea typeface="Aptos" panose="020B0004020202020204" pitchFamily="34" charset="0"/>
+                <a:cs typeface="Times New Roman" panose="02020603050405020304" pitchFamily="18" charset="0"/>
+              </a:rPr>
+              <a:t>Real-Time Data Integration</a:t>
+            </a:r>
+            <a:r>
+              <a:rPr lang="en-GB" sz="1600" kern="100" dirty="0">
+                <a:solidFill>
+                  <a:schemeClr val="tx1"/>
+                </a:solidFill>
+                <a:effectLst/>
+                <a:ea typeface="Aptos" panose="020B0004020202020204" pitchFamily="34" charset="0"/>
+                <a:cs typeface="Times New Roman" panose="02020603050405020304" pitchFamily="18" charset="0"/>
+              </a:rPr>
+              <a:t>: - Incorporate live restaurant reviews and ratings for up-to-date recommendations.</a:t>
+            </a:r>
+            <a:endParaRPr lang="en-GB" sz="1600" dirty="0">
               <a:solidFill>
                 <a:schemeClr val="tx1"/>
               </a:solidFill>
